--- a/Final Slide Show/Project Two, Group Two.pptx
+++ b/Final Slide Show/Project Two, Group Two.pptx
@@ -15,13 +15,14 @@
     <p:sldId id="262" r:id="rId9"/>
     <p:sldId id="270" r:id="rId10"/>
     <p:sldId id="267" r:id="rId11"/>
-    <p:sldId id="276" r:id="rId12"/>
-    <p:sldId id="271" r:id="rId13"/>
+    <p:sldId id="271" r:id="rId12"/>
+    <p:sldId id="276" r:id="rId13"/>
     <p:sldId id="263" r:id="rId14"/>
     <p:sldId id="272" r:id="rId15"/>
-    <p:sldId id="273" r:id="rId16"/>
-    <p:sldId id="274" r:id="rId17"/>
-    <p:sldId id="259" r:id="rId18"/>
+    <p:sldId id="277" r:id="rId16"/>
+    <p:sldId id="273" r:id="rId17"/>
+    <p:sldId id="274" r:id="rId18"/>
+    <p:sldId id="259" r:id="rId19"/>
   </p:sldIdLst>
   <p:sldSz cx="12192000" cy="6858000"/>
   <p:notesSz cx="6858000" cy="9144000"/>
@@ -143,6 +144,7 @@
           <p14:sldIdLst>
             <p14:sldId id="270"/>
             <p14:sldId id="267"/>
+            <p14:sldId id="271"/>
           </p14:sldIdLst>
         </p14:section>
         <p14:section name="James D." id="{A197A9A5-83C4-4D54-A165-4B3CF60DDCFA}">
@@ -152,9 +154,9 @@
         </p14:section>
         <p14:section name="Marnie C." id="{020DE8FF-FA0D-4E2A-AFBB-917B6295F5E4}">
           <p14:sldIdLst>
-            <p14:sldId id="271"/>
             <p14:sldId id="263"/>
             <p14:sldId id="272"/>
+            <p14:sldId id="277"/>
             <p14:sldId id="273"/>
           </p14:sldIdLst>
         </p14:section>
@@ -4389,6 +4391,272 @@
     <p:bg>
       <p:bgPr>
         <a:solidFill>
+          <a:srgbClr val="000000"/>
+        </a:solidFill>
+        <a:effectLst/>
+      </p:bgPr>
+    </p:bg>
+    <p:spTree>
+      <p:nvGrpSpPr>
+        <p:cNvPr id="1" name=""/>
+        <p:cNvGrpSpPr/>
+        <p:nvPr/>
+      </p:nvGrpSpPr>
+      <p:grpSpPr>
+        <a:xfrm>
+          <a:off x="0" y="0"/>
+          <a:ext cx="0" cy="0"/>
+          <a:chOff x="0" y="0"/>
+          <a:chExt cx="0" cy="0"/>
+        </a:xfrm>
+      </p:grpSpPr>
+      <p:pic>
+        <p:nvPicPr>
+          <p:cNvPr id="3" name="Picture 2" descr="A winding road through a mountain&#10;&#10;Description automatically generated">
+            <a:extLst>
+              <a:ext uri="{FF2B5EF4-FFF2-40B4-BE49-F238E27FC236}">
+                <a16:creationId xmlns:a16="http://schemas.microsoft.com/office/drawing/2014/main" id="{1A24931E-62E1-7EC3-B7C7-5F537F7572BA}"/>
+              </a:ext>
+            </a:extLst>
+          </p:cNvPr>
+          <p:cNvPicPr>
+            <a:picLocks noChangeAspect="1"/>
+          </p:cNvPicPr>
+          <p:nvPr/>
+        </p:nvPicPr>
+        <p:blipFill rotWithShape="1">
+          <a:blip r:embed="rId2">
+            <a:alphaModFix amt="50000"/>
+            <a:extLst>
+              <a:ext uri="{28A0092B-C50C-407E-A947-70E740481C1C}">
+                <a14:useLocalDpi xmlns:a14="http://schemas.microsoft.com/office/drawing/2010/main" val="0"/>
+              </a:ext>
+            </a:extLst>
+          </a:blip>
+          <a:srcRect t="26568" b="28010"/>
+          <a:stretch/>
+        </p:blipFill>
+        <p:spPr>
+          <a:xfrm>
+            <a:off x="20" y="10"/>
+            <a:ext cx="12191979" cy="6857989"/>
+          </a:xfrm>
+          <a:prstGeom prst="rect">
+            <a:avLst/>
+          </a:prstGeom>
+        </p:spPr>
+      </p:pic>
+      <p:sp>
+        <p:nvSpPr>
+          <p:cNvPr id="4" name="Title 3">
+            <a:extLst>
+              <a:ext uri="{FF2B5EF4-FFF2-40B4-BE49-F238E27FC236}">
+                <a16:creationId xmlns:a16="http://schemas.microsoft.com/office/drawing/2014/main" id="{02A68D17-C7AD-E9D3-3EAD-CCA9CE3C33F2}"/>
+              </a:ext>
+            </a:extLst>
+          </p:cNvPr>
+          <p:cNvSpPr>
+            <a:spLocks noGrp="1"/>
+          </p:cNvSpPr>
+          <p:nvPr>
+            <p:ph type="ctrTitle"/>
+          </p:nvPr>
+        </p:nvSpPr>
+        <p:spPr>
+          <a:xfrm>
+            <a:off x="1524000" y="314326"/>
+            <a:ext cx="9144000" cy="1905000"/>
+          </a:xfrm>
+        </p:spPr>
+        <p:txBody>
+          <a:bodyPr vert="horz" lIns="91440" tIns="45720" rIns="91440" bIns="45720" rtlCol="0" anchor="b">
+            <a:normAutofit/>
+          </a:bodyPr>
+          <a:lstStyle/>
+          <a:p>
+            <a:pPr algn="ctr"/>
+            <a:r>
+              <a:rPr lang="en-US" sz="6000" dirty="0">
+                <a:solidFill>
+                  <a:srgbClr val="FFFFFF"/>
+                </a:solidFill>
+              </a:rPr>
+              <a:t>Where  are we going with all this?</a:t>
+            </a:r>
+          </a:p>
+        </p:txBody>
+      </p:sp>
+      <p:sp>
+        <p:nvSpPr>
+          <p:cNvPr id="2" name="Subtitle 1">
+            <a:extLst>
+              <a:ext uri="{FF2B5EF4-FFF2-40B4-BE49-F238E27FC236}">
+                <a16:creationId xmlns:a16="http://schemas.microsoft.com/office/drawing/2014/main" id="{84D95E79-FBD5-8D14-C6B6-DB33C7AC557F}"/>
+              </a:ext>
+            </a:extLst>
+          </p:cNvPr>
+          <p:cNvSpPr>
+            <a:spLocks noGrp="1"/>
+          </p:cNvSpPr>
+          <p:nvPr>
+            <p:ph type="subTitle" idx="1"/>
+          </p:nvPr>
+        </p:nvSpPr>
+        <p:spPr/>
+        <p:txBody>
+          <a:bodyPr/>
+          <a:lstStyle/>
+          <a:p>
+            <a:br>
+              <a:rPr lang="en-US" dirty="0"/>
+            </a:br>
+            <a:endParaRPr lang="en-US" dirty="0"/>
+          </a:p>
+        </p:txBody>
+      </p:sp>
+    </p:spTree>
+    <p:extLst>
+      <p:ext uri="{BB962C8B-B14F-4D97-AF65-F5344CB8AC3E}">
+        <p14:creationId xmlns:p14="http://schemas.microsoft.com/office/powerpoint/2010/main" val="1589646289"/>
+      </p:ext>
+    </p:extLst>
+  </p:cSld>
+  <p:clrMapOvr>
+    <a:overrideClrMapping bg1="dk1" tx1="lt1" bg2="dk2" tx2="lt2" accent1="accent1" accent2="accent2" accent3="accent3" accent4="accent4" accent5="accent5" accent6="accent6" hlink="hlink" folHlink="folHlink"/>
+  </p:clrMapOvr>
+  <p:timing>
+    <p:tnLst>
+      <p:par>
+        <p:cTn id="1" dur="indefinite" restart="never" nodeType="tmRoot">
+          <p:childTnLst>
+            <p:seq concurrent="1" nextAc="seek">
+              <p:cTn id="2" dur="indefinite" nodeType="mainSeq">
+                <p:childTnLst>
+                  <p:par>
+                    <p:cTn id="3" fill="hold">
+                      <p:stCondLst>
+                        <p:cond delay="indefinite"/>
+                      </p:stCondLst>
+                      <p:childTnLst>
+                        <p:par>
+                          <p:cTn id="4" fill="hold">
+                            <p:stCondLst>
+                              <p:cond delay="0"/>
+                            </p:stCondLst>
+                            <p:childTnLst>
+                              <p:par>
+                                <p:cTn id="5" presetID="2" presetClass="entr" presetSubtype="4" fill="hold" grpId="0" nodeType="clickEffect">
+                                  <p:stCondLst>
+                                    <p:cond delay="0"/>
+                                  </p:stCondLst>
+                                  <p:childTnLst>
+                                    <p:set>
+                                      <p:cBhvr>
+                                        <p:cTn id="6" dur="1" fill="hold">
+                                          <p:stCondLst>
+                                            <p:cond delay="0"/>
+                                          </p:stCondLst>
+                                        </p:cTn>
+                                        <p:tgtEl>
+                                          <p:spTgt spid="4"/>
+                                        </p:tgtEl>
+                                        <p:attrNameLst>
+                                          <p:attrName>style.visibility</p:attrName>
+                                        </p:attrNameLst>
+                                      </p:cBhvr>
+                                      <p:to>
+                                        <p:strVal val="visible"/>
+                                      </p:to>
+                                    </p:set>
+                                    <p:anim calcmode="lin" valueType="num">
+                                      <p:cBhvr additive="base">
+                                        <p:cTn id="7" dur="500" fill="hold"/>
+                                        <p:tgtEl>
+                                          <p:spTgt spid="4"/>
+                                        </p:tgtEl>
+                                        <p:attrNameLst>
+                                          <p:attrName>ppt_x</p:attrName>
+                                        </p:attrNameLst>
+                                      </p:cBhvr>
+                                      <p:tavLst>
+                                        <p:tav tm="0">
+                                          <p:val>
+                                            <p:strVal val="#ppt_x"/>
+                                          </p:val>
+                                        </p:tav>
+                                        <p:tav tm="100000">
+                                          <p:val>
+                                            <p:strVal val="#ppt_x"/>
+                                          </p:val>
+                                        </p:tav>
+                                      </p:tavLst>
+                                    </p:anim>
+                                    <p:anim calcmode="lin" valueType="num">
+                                      <p:cBhvr additive="base">
+                                        <p:cTn id="8" dur="500" fill="hold"/>
+                                        <p:tgtEl>
+                                          <p:spTgt spid="4"/>
+                                        </p:tgtEl>
+                                        <p:attrNameLst>
+                                          <p:attrName>ppt_y</p:attrName>
+                                        </p:attrNameLst>
+                                      </p:cBhvr>
+                                      <p:tavLst>
+                                        <p:tav tm="0">
+                                          <p:val>
+                                            <p:strVal val="1+#ppt_h/2"/>
+                                          </p:val>
+                                        </p:tav>
+                                        <p:tav tm="100000">
+                                          <p:val>
+                                            <p:strVal val="#ppt_y"/>
+                                          </p:val>
+                                        </p:tav>
+                                      </p:tavLst>
+                                    </p:anim>
+                                  </p:childTnLst>
+                                </p:cTn>
+                              </p:par>
+                            </p:childTnLst>
+                          </p:cTn>
+                        </p:par>
+                      </p:childTnLst>
+                    </p:cTn>
+                  </p:par>
+                </p:childTnLst>
+              </p:cTn>
+              <p:prevCondLst>
+                <p:cond evt="onPrev" delay="0">
+                  <p:tgtEl>
+                    <p:sldTgt/>
+                  </p:tgtEl>
+                </p:cond>
+              </p:prevCondLst>
+              <p:nextCondLst>
+                <p:cond evt="onNext" delay="0">
+                  <p:tgtEl>
+                    <p:sldTgt/>
+                  </p:tgtEl>
+                </p:cond>
+              </p:nextCondLst>
+            </p:seq>
+          </p:childTnLst>
+        </p:cTn>
+      </p:par>
+    </p:tnLst>
+    <p:bldLst>
+      <p:bldP spid="4" grpId="0"/>
+    </p:bldLst>
+  </p:timing>
+</p:sld>
+</file>
+
+<file path=ppt/slides/slide12.xml><?xml version="1.0" encoding="utf-8"?>
+<p:sld xmlns:a="http://schemas.openxmlformats.org/drawingml/2006/main" xmlns:r="http://schemas.openxmlformats.org/officeDocument/2006/relationships" xmlns:p="http://schemas.openxmlformats.org/presentationml/2006/main">
+  <p:cSld>
+    <p:bg>
+      <p:bgPr>
+        <a:solidFill>
           <a:schemeClr val="bg1"/>
         </a:solidFill>
         <a:effectLst/>
@@ -4848,148 +5116,6 @@
 </p:sld>
 </file>
 
-<file path=ppt/slides/slide12.xml><?xml version="1.0" encoding="utf-8"?>
-<p:sld xmlns:a="http://schemas.openxmlformats.org/drawingml/2006/main" xmlns:r="http://schemas.openxmlformats.org/officeDocument/2006/relationships" xmlns:p="http://schemas.openxmlformats.org/presentationml/2006/main">
-  <p:cSld>
-    <p:bg>
-      <p:bgPr>
-        <a:solidFill>
-          <a:srgbClr val="000000"/>
-        </a:solidFill>
-        <a:effectLst/>
-      </p:bgPr>
-    </p:bg>
-    <p:spTree>
-      <p:nvGrpSpPr>
-        <p:cNvPr id="1" name=""/>
-        <p:cNvGrpSpPr/>
-        <p:nvPr/>
-      </p:nvGrpSpPr>
-      <p:grpSpPr>
-        <a:xfrm>
-          <a:off x="0" y="0"/>
-          <a:ext cx="0" cy="0"/>
-          <a:chOff x="0" y="0"/>
-          <a:chExt cx="0" cy="0"/>
-        </a:xfrm>
-      </p:grpSpPr>
-      <p:pic>
-        <p:nvPicPr>
-          <p:cNvPr id="3" name="Picture 2" descr="A winding road through a mountain&#10;&#10;Description automatically generated">
-            <a:extLst>
-              <a:ext uri="{FF2B5EF4-FFF2-40B4-BE49-F238E27FC236}">
-                <a16:creationId xmlns:a16="http://schemas.microsoft.com/office/drawing/2014/main" id="{1A24931E-62E1-7EC3-B7C7-5F537F7572BA}"/>
-              </a:ext>
-            </a:extLst>
-          </p:cNvPr>
-          <p:cNvPicPr>
-            <a:picLocks noChangeAspect="1"/>
-          </p:cNvPicPr>
-          <p:nvPr/>
-        </p:nvPicPr>
-        <p:blipFill rotWithShape="1">
-          <a:blip r:embed="rId2">
-            <a:alphaModFix amt="50000"/>
-            <a:extLst>
-              <a:ext uri="{28A0092B-C50C-407E-A947-70E740481C1C}">
-                <a14:useLocalDpi xmlns:a14="http://schemas.microsoft.com/office/drawing/2010/main" val="0"/>
-              </a:ext>
-            </a:extLst>
-          </a:blip>
-          <a:srcRect t="26568" b="28010"/>
-          <a:stretch/>
-        </p:blipFill>
-        <p:spPr>
-          <a:xfrm>
-            <a:off x="20" y="10"/>
-            <a:ext cx="12191979" cy="6857989"/>
-          </a:xfrm>
-          <a:prstGeom prst="rect">
-            <a:avLst/>
-          </a:prstGeom>
-        </p:spPr>
-      </p:pic>
-      <p:sp>
-        <p:nvSpPr>
-          <p:cNvPr id="4" name="Title 3">
-            <a:extLst>
-              <a:ext uri="{FF2B5EF4-FFF2-40B4-BE49-F238E27FC236}">
-                <a16:creationId xmlns:a16="http://schemas.microsoft.com/office/drawing/2014/main" id="{02A68D17-C7AD-E9D3-3EAD-CCA9CE3C33F2}"/>
-              </a:ext>
-            </a:extLst>
-          </p:cNvPr>
-          <p:cNvSpPr>
-            <a:spLocks noGrp="1"/>
-          </p:cNvSpPr>
-          <p:nvPr>
-            <p:ph type="ctrTitle"/>
-          </p:nvPr>
-        </p:nvSpPr>
-        <p:spPr>
-          <a:xfrm>
-            <a:off x="1524000" y="314326"/>
-            <a:ext cx="9144000" cy="1905000"/>
-          </a:xfrm>
-        </p:spPr>
-        <p:txBody>
-          <a:bodyPr vert="horz" lIns="91440" tIns="45720" rIns="91440" bIns="45720" rtlCol="0" anchor="b">
-            <a:normAutofit/>
-          </a:bodyPr>
-          <a:lstStyle/>
-          <a:p>
-            <a:pPr algn="ctr"/>
-            <a:r>
-              <a:rPr lang="en-US" sz="6000" dirty="0">
-                <a:solidFill>
-                  <a:srgbClr val="FFFFFF"/>
-                </a:solidFill>
-              </a:rPr>
-              <a:t>Where  are we going with all this?</a:t>
-            </a:r>
-          </a:p>
-        </p:txBody>
-      </p:sp>
-      <p:sp>
-        <p:nvSpPr>
-          <p:cNvPr id="2" name="Subtitle 1">
-            <a:extLst>
-              <a:ext uri="{FF2B5EF4-FFF2-40B4-BE49-F238E27FC236}">
-                <a16:creationId xmlns:a16="http://schemas.microsoft.com/office/drawing/2014/main" id="{84D95E79-FBD5-8D14-C6B6-DB33C7AC557F}"/>
-              </a:ext>
-            </a:extLst>
-          </p:cNvPr>
-          <p:cNvSpPr>
-            <a:spLocks noGrp="1"/>
-          </p:cNvSpPr>
-          <p:nvPr>
-            <p:ph type="subTitle" idx="1"/>
-          </p:nvPr>
-        </p:nvSpPr>
-        <p:spPr/>
-        <p:txBody>
-          <a:bodyPr/>
-          <a:lstStyle/>
-          <a:p>
-            <a:br>
-              <a:rPr lang="en-US" dirty="0"/>
-            </a:br>
-            <a:endParaRPr lang="en-US" dirty="0"/>
-          </a:p>
-        </p:txBody>
-      </p:sp>
-    </p:spTree>
-    <p:extLst>
-      <p:ext uri="{BB962C8B-B14F-4D97-AF65-F5344CB8AC3E}">
-        <p14:creationId xmlns:p14="http://schemas.microsoft.com/office/powerpoint/2010/main" val="1589646289"/>
-      </p:ext>
-    </p:extLst>
-  </p:cSld>
-  <p:clrMapOvr>
-    <a:overrideClrMapping bg1="dk1" tx1="lt1" bg2="dk2" tx2="lt2" accent1="accent1" accent2="accent2" accent3="accent3" accent4="accent4" accent5="accent5" accent6="accent6" hlink="hlink" folHlink="folHlink"/>
-  </p:clrMapOvr>
-</p:sld>
-</file>
-
 <file path=ppt/slides/slide13.xml><?xml version="1.0" encoding="utf-8"?>
 <p:sld xmlns:a="http://schemas.openxmlformats.org/drawingml/2006/main" xmlns:r="http://schemas.openxmlformats.org/officeDocument/2006/relationships" xmlns:p="http://schemas.openxmlformats.org/presentationml/2006/main">
   <p:cSld>
@@ -5174,7 +5300,16 @@
             </a:pPr>
             <a:r>
               <a:rPr lang="en-US" sz="2400" dirty="0"/>
-              <a:t>EA needed more time to learn the habits/patterns of these assets</a:t>
+              <a:t>Stocks we chose were not in a specific price range?</a:t>
+            </a:r>
+          </a:p>
+          <a:p>
+            <a:pPr marL="0" indent="0">
+              <a:buNone/>
+            </a:pPr>
+            <a:r>
+              <a:rPr lang="en-US" sz="2400" dirty="0"/>
+              <a:t>EA needed more time to learn the habits/patterns of these assets?</a:t>
             </a:r>
           </a:p>
           <a:p>
@@ -5191,7 +5326,7 @@
             </a:r>
             <a:r>
               <a:rPr lang="en-US" sz="2400" dirty="0"/>
-              <a:t> on the US30 Index</a:t>
+              <a:t> on the US30 Index?</a:t>
             </a:r>
           </a:p>
           <a:p>
@@ -5200,7 +5335,7 @@
             </a:pPr>
             <a:r>
               <a:rPr lang="en-US" sz="2400" dirty="0"/>
-              <a:t>Our sampling of assets was just too small for EA to function properly</a:t>
+              <a:t>Our sampling of assets was just too small for EA to function properly?</a:t>
             </a:r>
           </a:p>
         </p:txBody>
@@ -5915,6 +6050,109 @@
                                           <p:spTgt spid="18">
                                             <p:txEl>
                                               <p:pRg st="8" end="8"/>
+                                            </p:txEl>
+                                          </p:spTgt>
+                                        </p:tgtEl>
+                                        <p:attrNameLst>
+                                          <p:attrName>ppt_y</p:attrName>
+                                        </p:attrNameLst>
+                                      </p:cBhvr>
+                                      <p:tavLst>
+                                        <p:tav tm="0">
+                                          <p:val>
+                                            <p:strVal val="1+#ppt_h/2"/>
+                                          </p:val>
+                                        </p:tav>
+                                        <p:tav tm="100000">
+                                          <p:val>
+                                            <p:strVal val="#ppt_y"/>
+                                          </p:val>
+                                        </p:tav>
+                                      </p:tavLst>
+                                    </p:anim>
+                                  </p:childTnLst>
+                                </p:cTn>
+                              </p:par>
+                            </p:childTnLst>
+                          </p:cTn>
+                        </p:par>
+                      </p:childTnLst>
+                    </p:cTn>
+                  </p:par>
+                  <p:par>
+                    <p:cTn id="45" fill="hold">
+                      <p:stCondLst>
+                        <p:cond delay="indefinite"/>
+                      </p:stCondLst>
+                      <p:childTnLst>
+                        <p:par>
+                          <p:cTn id="46" fill="hold">
+                            <p:stCondLst>
+                              <p:cond delay="0"/>
+                            </p:stCondLst>
+                            <p:childTnLst>
+                              <p:par>
+                                <p:cTn id="47" presetID="2" presetClass="entr" presetSubtype="4" fill="hold" nodeType="clickEffect">
+                                  <p:stCondLst>
+                                    <p:cond delay="2500"/>
+                                  </p:stCondLst>
+                                  <p:childTnLst>
+                                    <p:set>
+                                      <p:cBhvr>
+                                        <p:cTn id="48" dur="1" fill="hold">
+                                          <p:stCondLst>
+                                            <p:cond delay="0"/>
+                                          </p:stCondLst>
+                                        </p:cTn>
+                                        <p:tgtEl>
+                                          <p:spTgt spid="18">
+                                            <p:txEl>
+                                              <p:pRg st="9" end="9"/>
+                                            </p:txEl>
+                                          </p:spTgt>
+                                        </p:tgtEl>
+                                        <p:attrNameLst>
+                                          <p:attrName>style.visibility</p:attrName>
+                                        </p:attrNameLst>
+                                      </p:cBhvr>
+                                      <p:to>
+                                        <p:strVal val="visible"/>
+                                      </p:to>
+                                    </p:set>
+                                    <p:anim calcmode="lin" valueType="num">
+                                      <p:cBhvr additive="base">
+                                        <p:cTn id="49" dur="500" fill="hold"/>
+                                        <p:tgtEl>
+                                          <p:spTgt spid="18">
+                                            <p:txEl>
+                                              <p:pRg st="9" end="9"/>
+                                            </p:txEl>
+                                          </p:spTgt>
+                                        </p:tgtEl>
+                                        <p:attrNameLst>
+                                          <p:attrName>ppt_x</p:attrName>
+                                        </p:attrNameLst>
+                                      </p:cBhvr>
+                                      <p:tavLst>
+                                        <p:tav tm="0">
+                                          <p:val>
+                                            <p:strVal val="#ppt_x"/>
+                                          </p:val>
+                                        </p:tav>
+                                        <p:tav tm="100000">
+                                          <p:val>
+                                            <p:strVal val="#ppt_x"/>
+                                          </p:val>
+                                        </p:tav>
+                                      </p:tavLst>
+                                    </p:anim>
+                                    <p:anim calcmode="lin" valueType="num">
+                                      <p:cBhvr additive="base">
+                                        <p:cTn id="50" dur="500" fill="hold"/>
+                                        <p:tgtEl>
+                                          <p:spTgt spid="18">
+                                            <p:txEl>
+                                              <p:pRg st="9" end="9"/>
                                             </p:txEl>
                                           </p:spTgt>
                                         </p:tgtEl>
@@ -7082,6 +7320,1267 @@
       </p:grpSpPr>
       <p:sp>
         <p:nvSpPr>
+          <p:cNvPr id="14" name="Rectangle 13">
+            <a:extLst>
+              <a:ext uri="{FF2B5EF4-FFF2-40B4-BE49-F238E27FC236}">
+                <a16:creationId xmlns:a16="http://schemas.microsoft.com/office/drawing/2014/main" id="{9228552E-C8B1-4A80-8448-0787CE0FC704}"/>
+              </a:ext>
+              <a:ext uri="{C183D7F6-B498-43B3-948B-1728B52AA6E4}">
+                <adec:decorative xmlns:adec="http://schemas.microsoft.com/office/drawing/2017/decorative" val="1"/>
+              </a:ext>
+            </a:extLst>
+          </p:cNvPr>
+          <p:cNvSpPr>
+            <a:spLocks noGrp="1" noRot="1" noChangeAspect="1" noMove="1" noResize="1" noEditPoints="1" noAdjustHandles="1" noChangeArrowheads="1" noChangeShapeType="1" noTextEdit="1"/>
+          </p:cNvSpPr>
+          <p:nvPr>
+            <p:extLst>
+              <p:ext uri="{386F3935-93C4-4BCD-93E2-E3B085C9AB24}">
+                <p16:designElem xmlns:p16="http://schemas.microsoft.com/office/powerpoint/2015/main" val="1"/>
+              </p:ext>
+            </p:extLst>
+          </p:nvPr>
+        </p:nvSpPr>
+        <p:spPr>
+          <a:xfrm>
+            <a:off x="0" y="0"/>
+            <a:ext cx="12192000" cy="6858000"/>
+          </a:xfrm>
+          <a:prstGeom prst="rect">
+            <a:avLst/>
+          </a:prstGeom>
+          <a:solidFill>
+            <a:srgbClr val="000000"/>
+          </a:solidFill>
+          <a:ln>
+            <a:noFill/>
+          </a:ln>
+        </p:spPr>
+        <p:style>
+          <a:lnRef idx="2">
+            <a:schemeClr val="accent1">
+              <a:shade val="50000"/>
+            </a:schemeClr>
+          </a:lnRef>
+          <a:fillRef idx="1">
+            <a:schemeClr val="accent1"/>
+          </a:fillRef>
+          <a:effectRef idx="0">
+            <a:schemeClr val="accent1"/>
+          </a:effectRef>
+          <a:fontRef idx="minor">
+            <a:schemeClr val="lt1"/>
+          </a:fontRef>
+        </p:style>
+        <p:txBody>
+          <a:bodyPr rtlCol="0" anchor="ctr"/>
+          <a:lstStyle/>
+          <a:p>
+            <a:pPr algn="ctr"/>
+            <a:endParaRPr lang="en-US"/>
+          </a:p>
+        </p:txBody>
+      </p:sp>
+      <p:pic>
+        <p:nvPicPr>
+          <p:cNvPr id="7" name="Content Placeholder 6" descr="A path in a forest with sun rays shining through trees&#10;&#10;Description automatically generated">
+            <a:extLst>
+              <a:ext uri="{FF2B5EF4-FFF2-40B4-BE49-F238E27FC236}">
+                <a16:creationId xmlns:a16="http://schemas.microsoft.com/office/drawing/2014/main" id="{D8DC3E37-0575-6358-C789-19274D259449}"/>
+              </a:ext>
+            </a:extLst>
+          </p:cNvPr>
+          <p:cNvPicPr>
+            <a:picLocks noChangeAspect="1"/>
+          </p:cNvPicPr>
+          <p:nvPr/>
+        </p:nvPicPr>
+        <p:blipFill rotWithShape="1">
+          <a:blip r:embed="rId2">
+            <a:alphaModFix amt="35000"/>
+            <a:extLst>
+              <a:ext uri="{28A0092B-C50C-407E-A947-70E740481C1C}">
+                <a14:useLocalDpi xmlns:a14="http://schemas.microsoft.com/office/drawing/2010/main" val="0"/>
+              </a:ext>
+            </a:extLst>
+          </a:blip>
+          <a:srcRect t="36623" r="1" b="22737"/>
+          <a:stretch/>
+        </p:blipFill>
+        <p:spPr>
+          <a:xfrm>
+            <a:off x="20" y="10"/>
+            <a:ext cx="12191980" cy="6857990"/>
+          </a:xfrm>
+          <a:prstGeom prst="rect">
+            <a:avLst/>
+          </a:prstGeom>
+        </p:spPr>
+      </p:pic>
+      <p:sp>
+        <p:nvSpPr>
+          <p:cNvPr id="4" name="Title 3">
+            <a:extLst>
+              <a:ext uri="{FF2B5EF4-FFF2-40B4-BE49-F238E27FC236}">
+                <a16:creationId xmlns:a16="http://schemas.microsoft.com/office/drawing/2014/main" id="{4F51AAAC-087B-BB8F-9B97-58D1CC4AB14F}"/>
+              </a:ext>
+            </a:extLst>
+          </p:cNvPr>
+          <p:cNvSpPr>
+            <a:spLocks noGrp="1"/>
+          </p:cNvSpPr>
+          <p:nvPr>
+            <p:ph type="title"/>
+          </p:nvPr>
+        </p:nvSpPr>
+        <p:spPr>
+          <a:xfrm>
+            <a:off x="838200" y="365125"/>
+            <a:ext cx="10515600" cy="1325563"/>
+          </a:xfrm>
+        </p:spPr>
+        <p:txBody>
+          <a:bodyPr>
+            <a:normAutofit/>
+          </a:bodyPr>
+          <a:lstStyle/>
+          <a:p>
+            <a:r>
+              <a:rPr lang="en-US" dirty="0">
+                <a:solidFill>
+                  <a:srgbClr val="FFFFFF"/>
+                </a:solidFill>
+              </a:rPr>
+              <a:t>Ethics Concerns</a:t>
+            </a:r>
+          </a:p>
+        </p:txBody>
+      </p:sp>
+      <p:sp>
+        <p:nvSpPr>
+          <p:cNvPr id="11" name="Content Placeholder 10">
+            <a:extLst>
+              <a:ext uri="{FF2B5EF4-FFF2-40B4-BE49-F238E27FC236}">
+                <a16:creationId xmlns:a16="http://schemas.microsoft.com/office/drawing/2014/main" id="{006DE2C7-0017-E408-55E0-37F9F9FBA471}"/>
+              </a:ext>
+            </a:extLst>
+          </p:cNvPr>
+          <p:cNvSpPr>
+            <a:spLocks noGrp="1"/>
+          </p:cNvSpPr>
+          <p:nvPr>
+            <p:ph idx="1"/>
+          </p:nvPr>
+        </p:nvSpPr>
+        <p:spPr>
+          <a:xfrm>
+            <a:off x="838200" y="1825625"/>
+            <a:ext cx="10515600" cy="4351338"/>
+          </a:xfrm>
+        </p:spPr>
+        <p:txBody>
+          <a:bodyPr>
+            <a:normAutofit/>
+          </a:bodyPr>
+          <a:lstStyle/>
+          <a:p>
+            <a:pPr marL="0" indent="0">
+              <a:buNone/>
+            </a:pPr>
+            <a:r>
+              <a:rPr lang="en-US" dirty="0">
+                <a:solidFill>
+                  <a:srgbClr val="FFFFFF"/>
+                </a:solidFill>
+              </a:rPr>
+              <a:t>If Expert Adviser and others like it were perfected:</a:t>
+            </a:r>
+          </a:p>
+          <a:p>
+            <a:pPr marL="0" indent="0">
+              <a:buNone/>
+            </a:pPr>
+            <a:endParaRPr lang="en-US" dirty="0">
+              <a:solidFill>
+                <a:srgbClr val="FFFFFF"/>
+              </a:solidFill>
+            </a:endParaRPr>
+          </a:p>
+          <a:p>
+            <a:pPr lvl="1"/>
+            <a:r>
+              <a:rPr lang="en-US" dirty="0">
+                <a:solidFill>
+                  <a:srgbClr val="FFFFFF"/>
+                </a:solidFill>
+              </a:rPr>
+              <a:t>Would they reshape the stock market?</a:t>
+            </a:r>
+          </a:p>
+          <a:p>
+            <a:pPr lvl="1"/>
+            <a:r>
+              <a:rPr lang="en-US" dirty="0">
+                <a:solidFill>
+                  <a:srgbClr val="FFFFFF"/>
+                </a:solidFill>
+              </a:rPr>
+              <a:t>Would likely lead to: </a:t>
+            </a:r>
+          </a:p>
+          <a:p>
+            <a:pPr lvl="2"/>
+            <a:r>
+              <a:rPr lang="en-US" dirty="0">
+                <a:solidFill>
+                  <a:srgbClr val="FFFFFF"/>
+                </a:solidFill>
+              </a:rPr>
+              <a:t>market efficiency</a:t>
+            </a:r>
+          </a:p>
+          <a:p>
+            <a:pPr lvl="2"/>
+            <a:r>
+              <a:rPr lang="en-US" dirty="0">
+                <a:solidFill>
+                  <a:srgbClr val="FFFFFF"/>
+                </a:solidFill>
+              </a:rPr>
+              <a:t>educed volatility </a:t>
+            </a:r>
+          </a:p>
+          <a:p>
+            <a:pPr lvl="2"/>
+            <a:r>
+              <a:rPr lang="en-US" dirty="0">
+                <a:solidFill>
+                  <a:srgbClr val="FFFFFF"/>
+                </a:solidFill>
+              </a:rPr>
+              <a:t>potential liquidity concerns</a:t>
+            </a:r>
+          </a:p>
+          <a:p>
+            <a:pPr lvl="2"/>
+            <a:r>
+              <a:rPr lang="en-US" dirty="0">
+                <a:solidFill>
+                  <a:srgbClr val="FFFFFF"/>
+                </a:solidFill>
+              </a:rPr>
+              <a:t>disruption of traditional trading strategies </a:t>
+            </a:r>
+          </a:p>
+          <a:p>
+            <a:pPr lvl="1"/>
+            <a:r>
+              <a:rPr lang="en-US" dirty="0">
+                <a:solidFill>
+                  <a:srgbClr val="FFFFFF"/>
+                </a:solidFill>
+              </a:rPr>
+              <a:t>This is likely to necessitate regulatory adjustments.</a:t>
+            </a:r>
+          </a:p>
+          <a:p>
+            <a:pPr lvl="1"/>
+            <a:endParaRPr lang="en-US" dirty="0">
+              <a:solidFill>
+                <a:srgbClr val="FFFFFF"/>
+              </a:solidFill>
+            </a:endParaRPr>
+          </a:p>
+        </p:txBody>
+      </p:sp>
+    </p:spTree>
+    <p:extLst>
+      <p:ext uri="{BB962C8B-B14F-4D97-AF65-F5344CB8AC3E}">
+        <p14:creationId xmlns:p14="http://schemas.microsoft.com/office/powerpoint/2010/main" val="2791013150"/>
+      </p:ext>
+    </p:extLst>
+  </p:cSld>
+  <p:clrMapOvr>
+    <a:overrideClrMapping bg1="dk1" tx1="lt1" bg2="dk2" tx2="lt2" accent1="accent1" accent2="accent2" accent3="accent3" accent4="accent4" accent5="accent5" accent6="accent6" hlink="hlink" folHlink="folHlink"/>
+  </p:clrMapOvr>
+  <p:timing>
+    <p:tnLst>
+      <p:par>
+        <p:cTn id="1" dur="indefinite" restart="never" nodeType="tmRoot">
+          <p:childTnLst>
+            <p:seq concurrent="1" nextAc="seek">
+              <p:cTn id="2" dur="indefinite" nodeType="mainSeq">
+                <p:childTnLst>
+                  <p:par>
+                    <p:cTn id="3" fill="hold">
+                      <p:stCondLst>
+                        <p:cond delay="indefinite"/>
+                      </p:stCondLst>
+                      <p:childTnLst>
+                        <p:par>
+                          <p:cTn id="4" fill="hold">
+                            <p:stCondLst>
+                              <p:cond delay="0"/>
+                            </p:stCondLst>
+                            <p:childTnLst>
+                              <p:par>
+                                <p:cTn id="5" presetID="2" presetClass="entr" presetSubtype="4" fill="hold" grpId="0" nodeType="clickEffect">
+                                  <p:stCondLst>
+                                    <p:cond delay="0"/>
+                                  </p:stCondLst>
+                                  <p:childTnLst>
+                                    <p:set>
+                                      <p:cBhvr>
+                                        <p:cTn id="6" dur="1" fill="hold">
+                                          <p:stCondLst>
+                                            <p:cond delay="0"/>
+                                          </p:stCondLst>
+                                        </p:cTn>
+                                        <p:tgtEl>
+                                          <p:spTgt spid="4"/>
+                                        </p:tgtEl>
+                                        <p:attrNameLst>
+                                          <p:attrName>style.visibility</p:attrName>
+                                        </p:attrNameLst>
+                                      </p:cBhvr>
+                                      <p:to>
+                                        <p:strVal val="visible"/>
+                                      </p:to>
+                                    </p:set>
+                                    <p:anim calcmode="lin" valueType="num">
+                                      <p:cBhvr additive="base">
+                                        <p:cTn id="7" dur="500" fill="hold"/>
+                                        <p:tgtEl>
+                                          <p:spTgt spid="4"/>
+                                        </p:tgtEl>
+                                        <p:attrNameLst>
+                                          <p:attrName>ppt_x</p:attrName>
+                                        </p:attrNameLst>
+                                      </p:cBhvr>
+                                      <p:tavLst>
+                                        <p:tav tm="0">
+                                          <p:val>
+                                            <p:strVal val="#ppt_x"/>
+                                          </p:val>
+                                        </p:tav>
+                                        <p:tav tm="100000">
+                                          <p:val>
+                                            <p:strVal val="#ppt_x"/>
+                                          </p:val>
+                                        </p:tav>
+                                      </p:tavLst>
+                                    </p:anim>
+                                    <p:anim calcmode="lin" valueType="num">
+                                      <p:cBhvr additive="base">
+                                        <p:cTn id="8" dur="500" fill="hold"/>
+                                        <p:tgtEl>
+                                          <p:spTgt spid="4"/>
+                                        </p:tgtEl>
+                                        <p:attrNameLst>
+                                          <p:attrName>ppt_y</p:attrName>
+                                        </p:attrNameLst>
+                                      </p:cBhvr>
+                                      <p:tavLst>
+                                        <p:tav tm="0">
+                                          <p:val>
+                                            <p:strVal val="1+#ppt_h/2"/>
+                                          </p:val>
+                                        </p:tav>
+                                        <p:tav tm="100000">
+                                          <p:val>
+                                            <p:strVal val="#ppt_y"/>
+                                          </p:val>
+                                        </p:tav>
+                                      </p:tavLst>
+                                    </p:anim>
+                                  </p:childTnLst>
+                                </p:cTn>
+                              </p:par>
+                            </p:childTnLst>
+                          </p:cTn>
+                        </p:par>
+                      </p:childTnLst>
+                    </p:cTn>
+                  </p:par>
+                  <p:par>
+                    <p:cTn id="9" fill="hold">
+                      <p:stCondLst>
+                        <p:cond delay="indefinite"/>
+                      </p:stCondLst>
+                      <p:childTnLst>
+                        <p:par>
+                          <p:cTn id="10" fill="hold">
+                            <p:stCondLst>
+                              <p:cond delay="0"/>
+                            </p:stCondLst>
+                            <p:childTnLst>
+                              <p:par>
+                                <p:cTn id="11" presetID="2" presetClass="entr" presetSubtype="4" fill="hold" nodeType="clickEffect">
+                                  <p:stCondLst>
+                                    <p:cond delay="1000"/>
+                                  </p:stCondLst>
+                                  <p:childTnLst>
+                                    <p:set>
+                                      <p:cBhvr>
+                                        <p:cTn id="12" dur="1" fill="hold">
+                                          <p:stCondLst>
+                                            <p:cond delay="0"/>
+                                          </p:stCondLst>
+                                        </p:cTn>
+                                        <p:tgtEl>
+                                          <p:spTgt spid="11">
+                                            <p:txEl>
+                                              <p:pRg st="0" end="0"/>
+                                            </p:txEl>
+                                          </p:spTgt>
+                                        </p:tgtEl>
+                                        <p:attrNameLst>
+                                          <p:attrName>style.visibility</p:attrName>
+                                        </p:attrNameLst>
+                                      </p:cBhvr>
+                                      <p:to>
+                                        <p:strVal val="visible"/>
+                                      </p:to>
+                                    </p:set>
+                                    <p:anim calcmode="lin" valueType="num">
+                                      <p:cBhvr additive="base">
+                                        <p:cTn id="13" dur="500" fill="hold"/>
+                                        <p:tgtEl>
+                                          <p:spTgt spid="11">
+                                            <p:txEl>
+                                              <p:pRg st="0" end="0"/>
+                                            </p:txEl>
+                                          </p:spTgt>
+                                        </p:tgtEl>
+                                        <p:attrNameLst>
+                                          <p:attrName>ppt_x</p:attrName>
+                                        </p:attrNameLst>
+                                      </p:cBhvr>
+                                      <p:tavLst>
+                                        <p:tav tm="0">
+                                          <p:val>
+                                            <p:strVal val="#ppt_x"/>
+                                          </p:val>
+                                        </p:tav>
+                                        <p:tav tm="100000">
+                                          <p:val>
+                                            <p:strVal val="#ppt_x"/>
+                                          </p:val>
+                                        </p:tav>
+                                      </p:tavLst>
+                                    </p:anim>
+                                    <p:anim calcmode="lin" valueType="num">
+                                      <p:cBhvr additive="base">
+                                        <p:cTn id="14" dur="500" fill="hold"/>
+                                        <p:tgtEl>
+                                          <p:spTgt spid="11">
+                                            <p:txEl>
+                                              <p:pRg st="0" end="0"/>
+                                            </p:txEl>
+                                          </p:spTgt>
+                                        </p:tgtEl>
+                                        <p:attrNameLst>
+                                          <p:attrName>ppt_y</p:attrName>
+                                        </p:attrNameLst>
+                                      </p:cBhvr>
+                                      <p:tavLst>
+                                        <p:tav tm="0">
+                                          <p:val>
+                                            <p:strVal val="1+#ppt_h/2"/>
+                                          </p:val>
+                                        </p:tav>
+                                        <p:tav tm="100000">
+                                          <p:val>
+                                            <p:strVal val="#ppt_y"/>
+                                          </p:val>
+                                        </p:tav>
+                                      </p:tavLst>
+                                    </p:anim>
+                                  </p:childTnLst>
+                                </p:cTn>
+                              </p:par>
+                            </p:childTnLst>
+                          </p:cTn>
+                        </p:par>
+                      </p:childTnLst>
+                    </p:cTn>
+                  </p:par>
+                  <p:par>
+                    <p:cTn id="15" fill="hold">
+                      <p:stCondLst>
+                        <p:cond delay="indefinite"/>
+                      </p:stCondLst>
+                      <p:childTnLst>
+                        <p:par>
+                          <p:cTn id="16" fill="hold">
+                            <p:stCondLst>
+                              <p:cond delay="0"/>
+                            </p:stCondLst>
+                            <p:childTnLst>
+                              <p:par>
+                                <p:cTn id="17" presetID="2" presetClass="entr" presetSubtype="4" fill="hold" nodeType="clickEffect">
+                                  <p:stCondLst>
+                                    <p:cond delay="1000"/>
+                                  </p:stCondLst>
+                                  <p:childTnLst>
+                                    <p:set>
+                                      <p:cBhvr>
+                                        <p:cTn id="18" dur="1" fill="hold">
+                                          <p:stCondLst>
+                                            <p:cond delay="0"/>
+                                          </p:stCondLst>
+                                        </p:cTn>
+                                        <p:tgtEl>
+                                          <p:spTgt spid="11">
+                                            <p:txEl>
+                                              <p:pRg st="2" end="2"/>
+                                            </p:txEl>
+                                          </p:spTgt>
+                                        </p:tgtEl>
+                                        <p:attrNameLst>
+                                          <p:attrName>style.visibility</p:attrName>
+                                        </p:attrNameLst>
+                                      </p:cBhvr>
+                                      <p:to>
+                                        <p:strVal val="visible"/>
+                                      </p:to>
+                                    </p:set>
+                                    <p:anim calcmode="lin" valueType="num">
+                                      <p:cBhvr additive="base">
+                                        <p:cTn id="19" dur="500" fill="hold"/>
+                                        <p:tgtEl>
+                                          <p:spTgt spid="11">
+                                            <p:txEl>
+                                              <p:pRg st="2" end="2"/>
+                                            </p:txEl>
+                                          </p:spTgt>
+                                        </p:tgtEl>
+                                        <p:attrNameLst>
+                                          <p:attrName>ppt_x</p:attrName>
+                                        </p:attrNameLst>
+                                      </p:cBhvr>
+                                      <p:tavLst>
+                                        <p:tav tm="0">
+                                          <p:val>
+                                            <p:strVal val="#ppt_x"/>
+                                          </p:val>
+                                        </p:tav>
+                                        <p:tav tm="100000">
+                                          <p:val>
+                                            <p:strVal val="#ppt_x"/>
+                                          </p:val>
+                                        </p:tav>
+                                      </p:tavLst>
+                                    </p:anim>
+                                    <p:anim calcmode="lin" valueType="num">
+                                      <p:cBhvr additive="base">
+                                        <p:cTn id="20" dur="500" fill="hold"/>
+                                        <p:tgtEl>
+                                          <p:spTgt spid="11">
+                                            <p:txEl>
+                                              <p:pRg st="2" end="2"/>
+                                            </p:txEl>
+                                          </p:spTgt>
+                                        </p:tgtEl>
+                                        <p:attrNameLst>
+                                          <p:attrName>ppt_y</p:attrName>
+                                        </p:attrNameLst>
+                                      </p:cBhvr>
+                                      <p:tavLst>
+                                        <p:tav tm="0">
+                                          <p:val>
+                                            <p:strVal val="1+#ppt_h/2"/>
+                                          </p:val>
+                                        </p:tav>
+                                        <p:tav tm="100000">
+                                          <p:val>
+                                            <p:strVal val="#ppt_y"/>
+                                          </p:val>
+                                        </p:tav>
+                                      </p:tavLst>
+                                    </p:anim>
+                                  </p:childTnLst>
+                                </p:cTn>
+                              </p:par>
+                            </p:childTnLst>
+                          </p:cTn>
+                        </p:par>
+                      </p:childTnLst>
+                    </p:cTn>
+                  </p:par>
+                  <p:par>
+                    <p:cTn id="21" fill="hold">
+                      <p:stCondLst>
+                        <p:cond delay="indefinite"/>
+                      </p:stCondLst>
+                      <p:childTnLst>
+                        <p:par>
+                          <p:cTn id="22" fill="hold">
+                            <p:stCondLst>
+                              <p:cond delay="0"/>
+                            </p:stCondLst>
+                            <p:childTnLst>
+                              <p:par>
+                                <p:cTn id="23" presetID="2" presetClass="entr" presetSubtype="4" fill="hold" nodeType="clickEffect">
+                                  <p:stCondLst>
+                                    <p:cond delay="1000"/>
+                                  </p:stCondLst>
+                                  <p:childTnLst>
+                                    <p:set>
+                                      <p:cBhvr>
+                                        <p:cTn id="24" dur="1" fill="hold">
+                                          <p:stCondLst>
+                                            <p:cond delay="0"/>
+                                          </p:stCondLst>
+                                        </p:cTn>
+                                        <p:tgtEl>
+                                          <p:spTgt spid="11">
+                                            <p:txEl>
+                                              <p:pRg st="3" end="3"/>
+                                            </p:txEl>
+                                          </p:spTgt>
+                                        </p:tgtEl>
+                                        <p:attrNameLst>
+                                          <p:attrName>style.visibility</p:attrName>
+                                        </p:attrNameLst>
+                                      </p:cBhvr>
+                                      <p:to>
+                                        <p:strVal val="visible"/>
+                                      </p:to>
+                                    </p:set>
+                                    <p:anim calcmode="lin" valueType="num">
+                                      <p:cBhvr additive="base">
+                                        <p:cTn id="25" dur="500" fill="hold"/>
+                                        <p:tgtEl>
+                                          <p:spTgt spid="11">
+                                            <p:txEl>
+                                              <p:pRg st="3" end="3"/>
+                                            </p:txEl>
+                                          </p:spTgt>
+                                        </p:tgtEl>
+                                        <p:attrNameLst>
+                                          <p:attrName>ppt_x</p:attrName>
+                                        </p:attrNameLst>
+                                      </p:cBhvr>
+                                      <p:tavLst>
+                                        <p:tav tm="0">
+                                          <p:val>
+                                            <p:strVal val="#ppt_x"/>
+                                          </p:val>
+                                        </p:tav>
+                                        <p:tav tm="100000">
+                                          <p:val>
+                                            <p:strVal val="#ppt_x"/>
+                                          </p:val>
+                                        </p:tav>
+                                      </p:tavLst>
+                                    </p:anim>
+                                    <p:anim calcmode="lin" valueType="num">
+                                      <p:cBhvr additive="base">
+                                        <p:cTn id="26" dur="500" fill="hold"/>
+                                        <p:tgtEl>
+                                          <p:spTgt spid="11">
+                                            <p:txEl>
+                                              <p:pRg st="3" end="3"/>
+                                            </p:txEl>
+                                          </p:spTgt>
+                                        </p:tgtEl>
+                                        <p:attrNameLst>
+                                          <p:attrName>ppt_y</p:attrName>
+                                        </p:attrNameLst>
+                                      </p:cBhvr>
+                                      <p:tavLst>
+                                        <p:tav tm="0">
+                                          <p:val>
+                                            <p:strVal val="1+#ppt_h/2"/>
+                                          </p:val>
+                                        </p:tav>
+                                        <p:tav tm="100000">
+                                          <p:val>
+                                            <p:strVal val="#ppt_y"/>
+                                          </p:val>
+                                        </p:tav>
+                                      </p:tavLst>
+                                    </p:anim>
+                                  </p:childTnLst>
+                                </p:cTn>
+                              </p:par>
+                            </p:childTnLst>
+                          </p:cTn>
+                        </p:par>
+                      </p:childTnLst>
+                    </p:cTn>
+                  </p:par>
+                  <p:par>
+                    <p:cTn id="27" fill="hold">
+                      <p:stCondLst>
+                        <p:cond delay="indefinite"/>
+                      </p:stCondLst>
+                      <p:childTnLst>
+                        <p:par>
+                          <p:cTn id="28" fill="hold">
+                            <p:stCondLst>
+                              <p:cond delay="0"/>
+                            </p:stCondLst>
+                            <p:childTnLst>
+                              <p:par>
+                                <p:cTn id="29" presetID="2" presetClass="entr" presetSubtype="4" fill="hold" nodeType="clickEffect">
+                                  <p:stCondLst>
+                                    <p:cond delay="1000"/>
+                                  </p:stCondLst>
+                                  <p:childTnLst>
+                                    <p:set>
+                                      <p:cBhvr>
+                                        <p:cTn id="30" dur="1" fill="hold">
+                                          <p:stCondLst>
+                                            <p:cond delay="0"/>
+                                          </p:stCondLst>
+                                        </p:cTn>
+                                        <p:tgtEl>
+                                          <p:spTgt spid="11">
+                                            <p:txEl>
+                                              <p:pRg st="4" end="4"/>
+                                            </p:txEl>
+                                          </p:spTgt>
+                                        </p:tgtEl>
+                                        <p:attrNameLst>
+                                          <p:attrName>style.visibility</p:attrName>
+                                        </p:attrNameLst>
+                                      </p:cBhvr>
+                                      <p:to>
+                                        <p:strVal val="visible"/>
+                                      </p:to>
+                                    </p:set>
+                                    <p:anim calcmode="lin" valueType="num">
+                                      <p:cBhvr additive="base">
+                                        <p:cTn id="31" dur="500" fill="hold"/>
+                                        <p:tgtEl>
+                                          <p:spTgt spid="11">
+                                            <p:txEl>
+                                              <p:pRg st="4" end="4"/>
+                                            </p:txEl>
+                                          </p:spTgt>
+                                        </p:tgtEl>
+                                        <p:attrNameLst>
+                                          <p:attrName>ppt_x</p:attrName>
+                                        </p:attrNameLst>
+                                      </p:cBhvr>
+                                      <p:tavLst>
+                                        <p:tav tm="0">
+                                          <p:val>
+                                            <p:strVal val="#ppt_x"/>
+                                          </p:val>
+                                        </p:tav>
+                                        <p:tav tm="100000">
+                                          <p:val>
+                                            <p:strVal val="#ppt_x"/>
+                                          </p:val>
+                                        </p:tav>
+                                      </p:tavLst>
+                                    </p:anim>
+                                    <p:anim calcmode="lin" valueType="num">
+                                      <p:cBhvr additive="base">
+                                        <p:cTn id="32" dur="500" fill="hold"/>
+                                        <p:tgtEl>
+                                          <p:spTgt spid="11">
+                                            <p:txEl>
+                                              <p:pRg st="4" end="4"/>
+                                            </p:txEl>
+                                          </p:spTgt>
+                                        </p:tgtEl>
+                                        <p:attrNameLst>
+                                          <p:attrName>ppt_y</p:attrName>
+                                        </p:attrNameLst>
+                                      </p:cBhvr>
+                                      <p:tavLst>
+                                        <p:tav tm="0">
+                                          <p:val>
+                                            <p:strVal val="1+#ppt_h/2"/>
+                                          </p:val>
+                                        </p:tav>
+                                        <p:tav tm="100000">
+                                          <p:val>
+                                            <p:strVal val="#ppt_y"/>
+                                          </p:val>
+                                        </p:tav>
+                                      </p:tavLst>
+                                    </p:anim>
+                                  </p:childTnLst>
+                                </p:cTn>
+                              </p:par>
+                            </p:childTnLst>
+                          </p:cTn>
+                        </p:par>
+                      </p:childTnLst>
+                    </p:cTn>
+                  </p:par>
+                  <p:par>
+                    <p:cTn id="33" fill="hold">
+                      <p:stCondLst>
+                        <p:cond delay="indefinite"/>
+                      </p:stCondLst>
+                      <p:childTnLst>
+                        <p:par>
+                          <p:cTn id="34" fill="hold">
+                            <p:stCondLst>
+                              <p:cond delay="0"/>
+                            </p:stCondLst>
+                            <p:childTnLst>
+                              <p:par>
+                                <p:cTn id="35" presetID="2" presetClass="entr" presetSubtype="4" fill="hold" nodeType="clickEffect">
+                                  <p:stCondLst>
+                                    <p:cond delay="1000"/>
+                                  </p:stCondLst>
+                                  <p:childTnLst>
+                                    <p:set>
+                                      <p:cBhvr>
+                                        <p:cTn id="36" dur="1" fill="hold">
+                                          <p:stCondLst>
+                                            <p:cond delay="0"/>
+                                          </p:stCondLst>
+                                        </p:cTn>
+                                        <p:tgtEl>
+                                          <p:spTgt spid="11">
+                                            <p:txEl>
+                                              <p:pRg st="5" end="5"/>
+                                            </p:txEl>
+                                          </p:spTgt>
+                                        </p:tgtEl>
+                                        <p:attrNameLst>
+                                          <p:attrName>style.visibility</p:attrName>
+                                        </p:attrNameLst>
+                                      </p:cBhvr>
+                                      <p:to>
+                                        <p:strVal val="visible"/>
+                                      </p:to>
+                                    </p:set>
+                                    <p:anim calcmode="lin" valueType="num">
+                                      <p:cBhvr additive="base">
+                                        <p:cTn id="37" dur="500" fill="hold"/>
+                                        <p:tgtEl>
+                                          <p:spTgt spid="11">
+                                            <p:txEl>
+                                              <p:pRg st="5" end="5"/>
+                                            </p:txEl>
+                                          </p:spTgt>
+                                        </p:tgtEl>
+                                        <p:attrNameLst>
+                                          <p:attrName>ppt_x</p:attrName>
+                                        </p:attrNameLst>
+                                      </p:cBhvr>
+                                      <p:tavLst>
+                                        <p:tav tm="0">
+                                          <p:val>
+                                            <p:strVal val="#ppt_x"/>
+                                          </p:val>
+                                        </p:tav>
+                                        <p:tav tm="100000">
+                                          <p:val>
+                                            <p:strVal val="#ppt_x"/>
+                                          </p:val>
+                                        </p:tav>
+                                      </p:tavLst>
+                                    </p:anim>
+                                    <p:anim calcmode="lin" valueType="num">
+                                      <p:cBhvr additive="base">
+                                        <p:cTn id="38" dur="500" fill="hold"/>
+                                        <p:tgtEl>
+                                          <p:spTgt spid="11">
+                                            <p:txEl>
+                                              <p:pRg st="5" end="5"/>
+                                            </p:txEl>
+                                          </p:spTgt>
+                                        </p:tgtEl>
+                                        <p:attrNameLst>
+                                          <p:attrName>ppt_y</p:attrName>
+                                        </p:attrNameLst>
+                                      </p:cBhvr>
+                                      <p:tavLst>
+                                        <p:tav tm="0">
+                                          <p:val>
+                                            <p:strVal val="1+#ppt_h/2"/>
+                                          </p:val>
+                                        </p:tav>
+                                        <p:tav tm="100000">
+                                          <p:val>
+                                            <p:strVal val="#ppt_y"/>
+                                          </p:val>
+                                        </p:tav>
+                                      </p:tavLst>
+                                    </p:anim>
+                                  </p:childTnLst>
+                                </p:cTn>
+                              </p:par>
+                            </p:childTnLst>
+                          </p:cTn>
+                        </p:par>
+                      </p:childTnLst>
+                    </p:cTn>
+                  </p:par>
+                  <p:par>
+                    <p:cTn id="39" fill="hold">
+                      <p:stCondLst>
+                        <p:cond delay="indefinite"/>
+                      </p:stCondLst>
+                      <p:childTnLst>
+                        <p:par>
+                          <p:cTn id="40" fill="hold">
+                            <p:stCondLst>
+                              <p:cond delay="0"/>
+                            </p:stCondLst>
+                            <p:childTnLst>
+                              <p:par>
+                                <p:cTn id="41" presetID="2" presetClass="entr" presetSubtype="4" fill="hold" nodeType="clickEffect">
+                                  <p:stCondLst>
+                                    <p:cond delay="1000"/>
+                                  </p:stCondLst>
+                                  <p:childTnLst>
+                                    <p:set>
+                                      <p:cBhvr>
+                                        <p:cTn id="42" dur="1" fill="hold">
+                                          <p:stCondLst>
+                                            <p:cond delay="0"/>
+                                          </p:stCondLst>
+                                        </p:cTn>
+                                        <p:tgtEl>
+                                          <p:spTgt spid="11">
+                                            <p:txEl>
+                                              <p:pRg st="6" end="6"/>
+                                            </p:txEl>
+                                          </p:spTgt>
+                                        </p:tgtEl>
+                                        <p:attrNameLst>
+                                          <p:attrName>style.visibility</p:attrName>
+                                        </p:attrNameLst>
+                                      </p:cBhvr>
+                                      <p:to>
+                                        <p:strVal val="visible"/>
+                                      </p:to>
+                                    </p:set>
+                                    <p:anim calcmode="lin" valueType="num">
+                                      <p:cBhvr additive="base">
+                                        <p:cTn id="43" dur="500" fill="hold"/>
+                                        <p:tgtEl>
+                                          <p:spTgt spid="11">
+                                            <p:txEl>
+                                              <p:pRg st="6" end="6"/>
+                                            </p:txEl>
+                                          </p:spTgt>
+                                        </p:tgtEl>
+                                        <p:attrNameLst>
+                                          <p:attrName>ppt_x</p:attrName>
+                                        </p:attrNameLst>
+                                      </p:cBhvr>
+                                      <p:tavLst>
+                                        <p:tav tm="0">
+                                          <p:val>
+                                            <p:strVal val="#ppt_x"/>
+                                          </p:val>
+                                        </p:tav>
+                                        <p:tav tm="100000">
+                                          <p:val>
+                                            <p:strVal val="#ppt_x"/>
+                                          </p:val>
+                                        </p:tav>
+                                      </p:tavLst>
+                                    </p:anim>
+                                    <p:anim calcmode="lin" valueType="num">
+                                      <p:cBhvr additive="base">
+                                        <p:cTn id="44" dur="500" fill="hold"/>
+                                        <p:tgtEl>
+                                          <p:spTgt spid="11">
+                                            <p:txEl>
+                                              <p:pRg st="6" end="6"/>
+                                            </p:txEl>
+                                          </p:spTgt>
+                                        </p:tgtEl>
+                                        <p:attrNameLst>
+                                          <p:attrName>ppt_y</p:attrName>
+                                        </p:attrNameLst>
+                                      </p:cBhvr>
+                                      <p:tavLst>
+                                        <p:tav tm="0">
+                                          <p:val>
+                                            <p:strVal val="1+#ppt_h/2"/>
+                                          </p:val>
+                                        </p:tav>
+                                        <p:tav tm="100000">
+                                          <p:val>
+                                            <p:strVal val="#ppt_y"/>
+                                          </p:val>
+                                        </p:tav>
+                                      </p:tavLst>
+                                    </p:anim>
+                                  </p:childTnLst>
+                                </p:cTn>
+                              </p:par>
+                            </p:childTnLst>
+                          </p:cTn>
+                        </p:par>
+                      </p:childTnLst>
+                    </p:cTn>
+                  </p:par>
+                  <p:par>
+                    <p:cTn id="45" fill="hold">
+                      <p:stCondLst>
+                        <p:cond delay="indefinite"/>
+                      </p:stCondLst>
+                      <p:childTnLst>
+                        <p:par>
+                          <p:cTn id="46" fill="hold">
+                            <p:stCondLst>
+                              <p:cond delay="0"/>
+                            </p:stCondLst>
+                            <p:childTnLst>
+                              <p:par>
+                                <p:cTn id="47" presetID="2" presetClass="entr" presetSubtype="4" fill="hold" nodeType="clickEffect">
+                                  <p:stCondLst>
+                                    <p:cond delay="1000"/>
+                                  </p:stCondLst>
+                                  <p:childTnLst>
+                                    <p:set>
+                                      <p:cBhvr>
+                                        <p:cTn id="48" dur="1" fill="hold">
+                                          <p:stCondLst>
+                                            <p:cond delay="0"/>
+                                          </p:stCondLst>
+                                        </p:cTn>
+                                        <p:tgtEl>
+                                          <p:spTgt spid="11">
+                                            <p:txEl>
+                                              <p:pRg st="7" end="7"/>
+                                            </p:txEl>
+                                          </p:spTgt>
+                                        </p:tgtEl>
+                                        <p:attrNameLst>
+                                          <p:attrName>style.visibility</p:attrName>
+                                        </p:attrNameLst>
+                                      </p:cBhvr>
+                                      <p:to>
+                                        <p:strVal val="visible"/>
+                                      </p:to>
+                                    </p:set>
+                                    <p:anim calcmode="lin" valueType="num">
+                                      <p:cBhvr additive="base">
+                                        <p:cTn id="49" dur="500" fill="hold"/>
+                                        <p:tgtEl>
+                                          <p:spTgt spid="11">
+                                            <p:txEl>
+                                              <p:pRg st="7" end="7"/>
+                                            </p:txEl>
+                                          </p:spTgt>
+                                        </p:tgtEl>
+                                        <p:attrNameLst>
+                                          <p:attrName>ppt_x</p:attrName>
+                                        </p:attrNameLst>
+                                      </p:cBhvr>
+                                      <p:tavLst>
+                                        <p:tav tm="0">
+                                          <p:val>
+                                            <p:strVal val="#ppt_x"/>
+                                          </p:val>
+                                        </p:tav>
+                                        <p:tav tm="100000">
+                                          <p:val>
+                                            <p:strVal val="#ppt_x"/>
+                                          </p:val>
+                                        </p:tav>
+                                      </p:tavLst>
+                                    </p:anim>
+                                    <p:anim calcmode="lin" valueType="num">
+                                      <p:cBhvr additive="base">
+                                        <p:cTn id="50" dur="500" fill="hold"/>
+                                        <p:tgtEl>
+                                          <p:spTgt spid="11">
+                                            <p:txEl>
+                                              <p:pRg st="7" end="7"/>
+                                            </p:txEl>
+                                          </p:spTgt>
+                                        </p:tgtEl>
+                                        <p:attrNameLst>
+                                          <p:attrName>ppt_y</p:attrName>
+                                        </p:attrNameLst>
+                                      </p:cBhvr>
+                                      <p:tavLst>
+                                        <p:tav tm="0">
+                                          <p:val>
+                                            <p:strVal val="1+#ppt_h/2"/>
+                                          </p:val>
+                                        </p:tav>
+                                        <p:tav tm="100000">
+                                          <p:val>
+                                            <p:strVal val="#ppt_y"/>
+                                          </p:val>
+                                        </p:tav>
+                                      </p:tavLst>
+                                    </p:anim>
+                                  </p:childTnLst>
+                                </p:cTn>
+                              </p:par>
+                            </p:childTnLst>
+                          </p:cTn>
+                        </p:par>
+                      </p:childTnLst>
+                    </p:cTn>
+                  </p:par>
+                  <p:par>
+                    <p:cTn id="51" fill="hold">
+                      <p:stCondLst>
+                        <p:cond delay="indefinite"/>
+                      </p:stCondLst>
+                      <p:childTnLst>
+                        <p:par>
+                          <p:cTn id="52" fill="hold">
+                            <p:stCondLst>
+                              <p:cond delay="0"/>
+                            </p:stCondLst>
+                            <p:childTnLst>
+                              <p:par>
+                                <p:cTn id="53" presetID="2" presetClass="entr" presetSubtype="4" fill="hold" nodeType="clickEffect">
+                                  <p:stCondLst>
+                                    <p:cond delay="1000"/>
+                                  </p:stCondLst>
+                                  <p:childTnLst>
+                                    <p:set>
+                                      <p:cBhvr>
+                                        <p:cTn id="54" dur="1" fill="hold">
+                                          <p:stCondLst>
+                                            <p:cond delay="0"/>
+                                          </p:stCondLst>
+                                        </p:cTn>
+                                        <p:tgtEl>
+                                          <p:spTgt spid="11">
+                                            <p:txEl>
+                                              <p:pRg st="8" end="8"/>
+                                            </p:txEl>
+                                          </p:spTgt>
+                                        </p:tgtEl>
+                                        <p:attrNameLst>
+                                          <p:attrName>style.visibility</p:attrName>
+                                        </p:attrNameLst>
+                                      </p:cBhvr>
+                                      <p:to>
+                                        <p:strVal val="visible"/>
+                                      </p:to>
+                                    </p:set>
+                                    <p:anim calcmode="lin" valueType="num">
+                                      <p:cBhvr additive="base">
+                                        <p:cTn id="55" dur="500" fill="hold"/>
+                                        <p:tgtEl>
+                                          <p:spTgt spid="11">
+                                            <p:txEl>
+                                              <p:pRg st="8" end="8"/>
+                                            </p:txEl>
+                                          </p:spTgt>
+                                        </p:tgtEl>
+                                        <p:attrNameLst>
+                                          <p:attrName>ppt_x</p:attrName>
+                                        </p:attrNameLst>
+                                      </p:cBhvr>
+                                      <p:tavLst>
+                                        <p:tav tm="0">
+                                          <p:val>
+                                            <p:strVal val="#ppt_x"/>
+                                          </p:val>
+                                        </p:tav>
+                                        <p:tav tm="100000">
+                                          <p:val>
+                                            <p:strVal val="#ppt_x"/>
+                                          </p:val>
+                                        </p:tav>
+                                      </p:tavLst>
+                                    </p:anim>
+                                    <p:anim calcmode="lin" valueType="num">
+                                      <p:cBhvr additive="base">
+                                        <p:cTn id="56" dur="500" fill="hold"/>
+                                        <p:tgtEl>
+                                          <p:spTgt spid="11">
+                                            <p:txEl>
+                                              <p:pRg st="8" end="8"/>
+                                            </p:txEl>
+                                          </p:spTgt>
+                                        </p:tgtEl>
+                                        <p:attrNameLst>
+                                          <p:attrName>ppt_y</p:attrName>
+                                        </p:attrNameLst>
+                                      </p:cBhvr>
+                                      <p:tavLst>
+                                        <p:tav tm="0">
+                                          <p:val>
+                                            <p:strVal val="1+#ppt_h/2"/>
+                                          </p:val>
+                                        </p:tav>
+                                        <p:tav tm="100000">
+                                          <p:val>
+                                            <p:strVal val="#ppt_y"/>
+                                          </p:val>
+                                        </p:tav>
+                                      </p:tavLst>
+                                    </p:anim>
+                                  </p:childTnLst>
+                                </p:cTn>
+                              </p:par>
+                            </p:childTnLst>
+                          </p:cTn>
+                        </p:par>
+                      </p:childTnLst>
+                    </p:cTn>
+                  </p:par>
+                </p:childTnLst>
+              </p:cTn>
+              <p:prevCondLst>
+                <p:cond evt="onPrev" delay="0">
+                  <p:tgtEl>
+                    <p:sldTgt/>
+                  </p:tgtEl>
+                </p:cond>
+              </p:prevCondLst>
+              <p:nextCondLst>
+                <p:cond evt="onNext" delay="0">
+                  <p:tgtEl>
+                    <p:sldTgt/>
+                  </p:tgtEl>
+                </p:cond>
+              </p:nextCondLst>
+            </p:seq>
+          </p:childTnLst>
+        </p:cTn>
+      </p:par>
+    </p:tnLst>
+    <p:bldLst>
+      <p:bldP spid="4" grpId="0"/>
+    </p:bldLst>
+  </p:timing>
+</p:sld>
+</file>
+
+<file path=ppt/slides/slide16.xml><?xml version="1.0" encoding="utf-8"?>
+<p:sld xmlns:a="http://schemas.openxmlformats.org/drawingml/2006/main" xmlns:r="http://schemas.openxmlformats.org/officeDocument/2006/relationships" xmlns:p="http://schemas.openxmlformats.org/presentationml/2006/main">
+  <p:cSld>
+    <p:bg>
+      <p:bgPr>
+        <a:solidFill>
+          <a:schemeClr val="bg1"/>
+        </a:solidFill>
+        <a:effectLst/>
+      </p:bgPr>
+    </p:bg>
+    <p:spTree>
+      <p:nvGrpSpPr>
+        <p:cNvPr id="1" name=""/>
+        <p:cNvGrpSpPr/>
+        <p:nvPr/>
+      </p:nvGrpSpPr>
+      <p:grpSpPr>
+        <a:xfrm>
+          <a:off x="0" y="0"/>
+          <a:ext cx="0" cy="0"/>
+          <a:chOff x="0" y="0"/>
+          <a:chExt cx="0" cy="0"/>
+        </a:xfrm>
+      </p:grpSpPr>
+      <p:sp>
+        <p:nvSpPr>
           <p:cNvPr id="23" name="Rectangle 22">
             <a:extLst>
               <a:ext uri="{FF2B5EF4-FFF2-40B4-BE49-F238E27FC236}">
@@ -7895,7 +9394,7 @@
 </p:sld>
 </file>
 
-<file path=ppt/slides/slide16.xml><?xml version="1.0" encoding="utf-8"?>
+<file path=ppt/slides/slide17.xml><?xml version="1.0" encoding="utf-8"?>
 <p:sld xmlns:a="http://schemas.openxmlformats.org/drawingml/2006/main" xmlns:r="http://schemas.openxmlformats.org/officeDocument/2006/relationships" xmlns:p="http://schemas.openxmlformats.org/presentationml/2006/main">
   <p:cSld>
     <p:bg>
@@ -8196,7 +9695,7 @@
 </p:sld>
 </file>
 
-<file path=ppt/slides/slide17.xml><?xml version="1.0" encoding="utf-8"?>
+<file path=ppt/slides/slide18.xml><?xml version="1.0" encoding="utf-8"?>
 <p:sld xmlns:a="http://schemas.openxmlformats.org/drawingml/2006/main" xmlns:r="http://schemas.openxmlformats.org/officeDocument/2006/relationships" xmlns:p="http://schemas.openxmlformats.org/presentationml/2006/main">
   <p:cSld>
     <p:bg>
@@ -9283,7 +10782,7 @@
           <a:lstStyle/>
           <a:p>
             <a:r>
-              <a:rPr lang="en-US" b="0" i="0">
+              <a:rPr lang="en-US" b="0" i="0" dirty="0">
                 <a:solidFill>
                   <a:srgbClr val="FFFFFF"/>
                 </a:solidFill>
@@ -9292,7 +10791,7 @@
               </a:rPr>
               <a:t>Algorithmic Trading Systems Workflow</a:t>
             </a:r>
-            <a:endParaRPr lang="en-US">
+            <a:endParaRPr lang="en-US" dirty="0">
               <a:solidFill>
                 <a:srgbClr val="FFFFFF"/>
               </a:solidFill>
@@ -9343,7 +10842,7 @@
               <a:defRPr/>
             </a:pPr>
             <a:r>
-              <a:rPr kumimoji="0" lang="en-US" altLang="en-US" b="1" i="0" u="none" strike="noStrike" kern="1200" cap="none" spc="0" normalizeH="0" baseline="0" noProof="0">
+              <a:rPr kumimoji="0" lang="en-US" altLang="en-US" b="1" i="0" u="none" strike="noStrike" kern="1200" cap="none" spc="0" normalizeH="0" baseline="0" noProof="0" dirty="0">
                 <a:ln>
                   <a:noFill/>
                 </a:ln>
@@ -9359,7 +10858,7 @@
               </a:rPr>
               <a:t>1. Develop the hypothesis</a:t>
             </a:r>
-            <a:endParaRPr kumimoji="0" lang="en-US" altLang="en-US" b="0" i="0" u="none" strike="noStrike" kern="1200" cap="none" spc="0" normalizeH="0" baseline="0" noProof="0">
+            <a:endParaRPr kumimoji="0" lang="en-US" altLang="en-US" b="0" i="0" u="none" strike="noStrike" kern="1200" cap="none" spc="0" normalizeH="0" baseline="0" noProof="0" dirty="0">
               <a:ln>
                 <a:noFill/>
               </a:ln>
@@ -9390,7 +10889,7 @@
               <a:defRPr/>
             </a:pPr>
             <a:r>
-              <a:rPr kumimoji="0" lang="en-US" altLang="en-US" b="0" i="0" u="none" strike="noStrike" kern="1200" cap="none" spc="0" normalizeH="0" baseline="0" noProof="0">
+              <a:rPr kumimoji="0" lang="en-US" altLang="en-US" b="0" i="0" u="none" strike="noStrike" kern="1200" cap="none" spc="0" normalizeH="0" baseline="0" noProof="0" dirty="0">
                 <a:ln>
                   <a:noFill/>
                 </a:ln>
@@ -9404,7 +10903,7 @@
                 <a:ea typeface="+mn-ea"/>
                 <a:cs typeface="+mn-cs"/>
               </a:rPr>
-              <a:t>Run the EA as intended.</a:t>
+              <a:t>Run the EA as intended</a:t>
             </a:r>
           </a:p>
           <a:p>
@@ -9423,7 +10922,7 @@
               <a:defRPr/>
             </a:pPr>
             <a:r>
-              <a:rPr kumimoji="0" lang="en-US" altLang="en-US" b="0" i="0" u="none" strike="noStrike" kern="1200" cap="none" spc="0" normalizeH="0" baseline="0" noProof="0">
+              <a:rPr kumimoji="0" lang="en-US" altLang="en-US" b="0" i="0" u="none" strike="noStrike" kern="1200" cap="none" spc="0" normalizeH="0" baseline="0" noProof="0" dirty="0">
                 <a:ln>
                   <a:noFill/>
                 </a:ln>
@@ -9456,7 +10955,7 @@
               <a:defRPr/>
             </a:pPr>
             <a:r>
-              <a:rPr kumimoji="0" lang="en-US" altLang="en-US" b="0" i="0" u="none" strike="noStrike" kern="1200" cap="none" spc="0" normalizeH="0" baseline="0" noProof="0">
+              <a:rPr kumimoji="0" lang="en-US" altLang="en-US" b="0" i="0" u="none" strike="noStrike" kern="1200" cap="none" spc="0" normalizeH="0" baseline="0" noProof="0" dirty="0">
                 <a:ln>
                   <a:noFill/>
                 </a:ln>
@@ -9488,7 +10987,7 @@
               <a:tabLst/>
               <a:defRPr/>
             </a:pPr>
-            <a:endParaRPr kumimoji="0" lang="en-US" altLang="en-US" b="0" i="0" u="none" strike="noStrike" kern="1200" cap="none" spc="0" normalizeH="0" baseline="0" noProof="0">
+            <a:endParaRPr kumimoji="0" lang="en-US" altLang="en-US" b="0" i="0" u="none" strike="noStrike" kern="1200" cap="none" spc="0" normalizeH="0" baseline="0" noProof="0" dirty="0">
               <a:ln>
                 <a:noFill/>
               </a:ln>
@@ -9518,7 +11017,7 @@
               <a:tabLst/>
               <a:defRPr/>
             </a:pPr>
-            <a:endParaRPr kumimoji="0" lang="en-US" altLang="en-US" b="0" i="0" u="none" strike="noStrike" kern="1200" cap="none" spc="0" normalizeH="0" baseline="0" noProof="0">
+            <a:endParaRPr kumimoji="0" lang="en-US" altLang="en-US" b="0" i="0" u="none" strike="noStrike" kern="1200" cap="none" spc="0" normalizeH="0" baseline="0" noProof="0" dirty="0">
               <a:ln>
                 <a:noFill/>
               </a:ln>
@@ -9548,7 +11047,7 @@
               <a:tabLst/>
               <a:defRPr/>
             </a:pPr>
-            <a:endParaRPr lang="en-US">
+            <a:endParaRPr lang="en-US" dirty="0">
               <a:solidFill>
                 <a:srgbClr val="FFFFFF"/>
               </a:solidFill>
@@ -9566,542 +11065,6 @@
   <p:clrMapOvr>
     <a:overrideClrMapping bg1="dk1" tx1="lt1" bg2="dk2" tx2="lt2" accent1="accent1" accent2="accent2" accent3="accent3" accent4="accent4" accent5="accent5" accent6="accent6" hlink="hlink" folHlink="folHlink"/>
   </p:clrMapOvr>
-  <p:timing>
-    <p:tnLst>
-      <p:par>
-        <p:cTn id="1" dur="indefinite" restart="never" nodeType="tmRoot">
-          <p:childTnLst>
-            <p:seq concurrent="1" nextAc="seek">
-              <p:cTn id="2" dur="indefinite" nodeType="mainSeq">
-                <p:childTnLst>
-                  <p:par>
-                    <p:cTn id="3" fill="hold">
-                      <p:stCondLst>
-                        <p:cond delay="indefinite"/>
-                      </p:stCondLst>
-                      <p:childTnLst>
-                        <p:par>
-                          <p:cTn id="4" fill="hold">
-                            <p:stCondLst>
-                              <p:cond delay="0"/>
-                            </p:stCondLst>
-                            <p:childTnLst>
-                              <p:par>
-                                <p:cTn id="5" presetID="2" presetClass="entr" presetSubtype="4" fill="hold" grpId="0" nodeType="clickEffect">
-                                  <p:stCondLst>
-                                    <p:cond delay="0"/>
-                                  </p:stCondLst>
-                                  <p:childTnLst>
-                                    <p:set>
-                                      <p:cBhvr>
-                                        <p:cTn id="6" dur="1" fill="hold">
-                                          <p:stCondLst>
-                                            <p:cond delay="0"/>
-                                          </p:stCondLst>
-                                        </p:cTn>
-                                        <p:tgtEl>
-                                          <p:spTgt spid="4"/>
-                                        </p:tgtEl>
-                                        <p:attrNameLst>
-                                          <p:attrName>style.visibility</p:attrName>
-                                        </p:attrNameLst>
-                                      </p:cBhvr>
-                                      <p:to>
-                                        <p:strVal val="visible"/>
-                                      </p:to>
-                                    </p:set>
-                                    <p:anim calcmode="lin" valueType="num">
-                                      <p:cBhvr additive="base">
-                                        <p:cTn id="7" dur="500" fill="hold"/>
-                                        <p:tgtEl>
-                                          <p:spTgt spid="4"/>
-                                        </p:tgtEl>
-                                        <p:attrNameLst>
-                                          <p:attrName>ppt_x</p:attrName>
-                                        </p:attrNameLst>
-                                      </p:cBhvr>
-                                      <p:tavLst>
-                                        <p:tav tm="0">
-                                          <p:val>
-                                            <p:strVal val="#ppt_x"/>
-                                          </p:val>
-                                        </p:tav>
-                                        <p:tav tm="100000">
-                                          <p:val>
-                                            <p:strVal val="#ppt_x"/>
-                                          </p:val>
-                                        </p:tav>
-                                      </p:tavLst>
-                                    </p:anim>
-                                    <p:anim calcmode="lin" valueType="num">
-                                      <p:cBhvr additive="base">
-                                        <p:cTn id="8" dur="500" fill="hold"/>
-                                        <p:tgtEl>
-                                          <p:spTgt spid="4"/>
-                                        </p:tgtEl>
-                                        <p:attrNameLst>
-                                          <p:attrName>ppt_y</p:attrName>
-                                        </p:attrNameLst>
-                                      </p:cBhvr>
-                                      <p:tavLst>
-                                        <p:tav tm="0">
-                                          <p:val>
-                                            <p:strVal val="1+#ppt_h/2"/>
-                                          </p:val>
-                                        </p:tav>
-                                        <p:tav tm="100000">
-                                          <p:val>
-                                            <p:strVal val="#ppt_y"/>
-                                          </p:val>
-                                        </p:tav>
-                                      </p:tavLst>
-                                    </p:anim>
-                                  </p:childTnLst>
-                                </p:cTn>
-                              </p:par>
-                            </p:childTnLst>
-                          </p:cTn>
-                        </p:par>
-                      </p:childTnLst>
-                    </p:cTn>
-                  </p:par>
-                  <p:par>
-                    <p:cTn id="9" fill="hold">
-                      <p:stCondLst>
-                        <p:cond delay="indefinite"/>
-                      </p:stCondLst>
-                      <p:childTnLst>
-                        <p:par>
-                          <p:cTn id="10" fill="hold">
-                            <p:stCondLst>
-                              <p:cond delay="0"/>
-                            </p:stCondLst>
-                            <p:childTnLst>
-                              <p:par>
-                                <p:cTn id="11" presetID="2" presetClass="entr" presetSubtype="4" fill="hold" nodeType="clickEffect">
-                                  <p:stCondLst>
-                                    <p:cond delay="0"/>
-                                  </p:stCondLst>
-                                  <p:childTnLst>
-                                    <p:set>
-                                      <p:cBhvr>
-                                        <p:cTn id="12" dur="1" fill="hold">
-                                          <p:stCondLst>
-                                            <p:cond delay="0"/>
-                                          </p:stCondLst>
-                                        </p:cTn>
-                                        <p:tgtEl>
-                                          <p:spTgt spid="5">
-                                            <p:txEl>
-                                              <p:pRg st="0" end="0"/>
-                                            </p:txEl>
-                                          </p:spTgt>
-                                        </p:tgtEl>
-                                        <p:attrNameLst>
-                                          <p:attrName>style.visibility</p:attrName>
-                                        </p:attrNameLst>
-                                      </p:cBhvr>
-                                      <p:to>
-                                        <p:strVal val="visible"/>
-                                      </p:to>
-                                    </p:set>
-                                    <p:anim calcmode="lin" valueType="num">
-                                      <p:cBhvr additive="base">
-                                        <p:cTn id="13" dur="500" fill="hold"/>
-                                        <p:tgtEl>
-                                          <p:spTgt spid="5">
-                                            <p:txEl>
-                                              <p:pRg st="0" end="0"/>
-                                            </p:txEl>
-                                          </p:spTgt>
-                                        </p:tgtEl>
-                                        <p:attrNameLst>
-                                          <p:attrName>ppt_x</p:attrName>
-                                        </p:attrNameLst>
-                                      </p:cBhvr>
-                                      <p:tavLst>
-                                        <p:tav tm="0">
-                                          <p:val>
-                                            <p:strVal val="#ppt_x"/>
-                                          </p:val>
-                                        </p:tav>
-                                        <p:tav tm="100000">
-                                          <p:val>
-                                            <p:strVal val="#ppt_x"/>
-                                          </p:val>
-                                        </p:tav>
-                                      </p:tavLst>
-                                    </p:anim>
-                                    <p:anim calcmode="lin" valueType="num">
-                                      <p:cBhvr additive="base">
-                                        <p:cTn id="14" dur="500" fill="hold"/>
-                                        <p:tgtEl>
-                                          <p:spTgt spid="5">
-                                            <p:txEl>
-                                              <p:pRg st="0" end="0"/>
-                                            </p:txEl>
-                                          </p:spTgt>
-                                        </p:tgtEl>
-                                        <p:attrNameLst>
-                                          <p:attrName>ppt_y</p:attrName>
-                                        </p:attrNameLst>
-                                      </p:cBhvr>
-                                      <p:tavLst>
-                                        <p:tav tm="0">
-                                          <p:val>
-                                            <p:strVal val="1+#ppt_h/2"/>
-                                          </p:val>
-                                        </p:tav>
-                                        <p:tav tm="100000">
-                                          <p:val>
-                                            <p:strVal val="#ppt_y"/>
-                                          </p:val>
-                                        </p:tav>
-                                      </p:tavLst>
-                                    </p:anim>
-                                  </p:childTnLst>
-                                </p:cTn>
-                              </p:par>
-                            </p:childTnLst>
-                          </p:cTn>
-                        </p:par>
-                      </p:childTnLst>
-                    </p:cTn>
-                  </p:par>
-                  <p:par>
-                    <p:cTn id="15" fill="hold">
-                      <p:stCondLst>
-                        <p:cond delay="indefinite"/>
-                      </p:stCondLst>
-                      <p:childTnLst>
-                        <p:par>
-                          <p:cTn id="16" fill="hold">
-                            <p:stCondLst>
-                              <p:cond delay="0"/>
-                            </p:stCondLst>
-                            <p:childTnLst>
-                              <p:par>
-                                <p:cTn id="17" presetID="2" presetClass="entr" presetSubtype="4" fill="hold" nodeType="clickEffect">
-                                  <p:stCondLst>
-                                    <p:cond delay="1000"/>
-                                  </p:stCondLst>
-                                  <p:childTnLst>
-                                    <p:set>
-                                      <p:cBhvr>
-                                        <p:cTn id="18" dur="1" fill="hold">
-                                          <p:stCondLst>
-                                            <p:cond delay="0"/>
-                                          </p:stCondLst>
-                                        </p:cTn>
-                                        <p:tgtEl>
-                                          <p:spTgt spid="5">
-                                            <p:txEl>
-                                              <p:pRg st="1" end="1"/>
-                                            </p:txEl>
-                                          </p:spTgt>
-                                        </p:tgtEl>
-                                        <p:attrNameLst>
-                                          <p:attrName>style.visibility</p:attrName>
-                                        </p:attrNameLst>
-                                      </p:cBhvr>
-                                      <p:to>
-                                        <p:strVal val="visible"/>
-                                      </p:to>
-                                    </p:set>
-                                    <p:anim calcmode="lin" valueType="num">
-                                      <p:cBhvr additive="base">
-                                        <p:cTn id="19" dur="500" fill="hold"/>
-                                        <p:tgtEl>
-                                          <p:spTgt spid="5">
-                                            <p:txEl>
-                                              <p:pRg st="1" end="1"/>
-                                            </p:txEl>
-                                          </p:spTgt>
-                                        </p:tgtEl>
-                                        <p:attrNameLst>
-                                          <p:attrName>ppt_x</p:attrName>
-                                        </p:attrNameLst>
-                                      </p:cBhvr>
-                                      <p:tavLst>
-                                        <p:tav tm="0">
-                                          <p:val>
-                                            <p:strVal val="#ppt_x"/>
-                                          </p:val>
-                                        </p:tav>
-                                        <p:tav tm="100000">
-                                          <p:val>
-                                            <p:strVal val="#ppt_x"/>
-                                          </p:val>
-                                        </p:tav>
-                                      </p:tavLst>
-                                    </p:anim>
-                                    <p:anim calcmode="lin" valueType="num">
-                                      <p:cBhvr additive="base">
-                                        <p:cTn id="20" dur="500" fill="hold"/>
-                                        <p:tgtEl>
-                                          <p:spTgt spid="5">
-                                            <p:txEl>
-                                              <p:pRg st="1" end="1"/>
-                                            </p:txEl>
-                                          </p:spTgt>
-                                        </p:tgtEl>
-                                        <p:attrNameLst>
-                                          <p:attrName>ppt_y</p:attrName>
-                                        </p:attrNameLst>
-                                      </p:cBhvr>
-                                      <p:tavLst>
-                                        <p:tav tm="0">
-                                          <p:val>
-                                            <p:strVal val="1+#ppt_h/2"/>
-                                          </p:val>
-                                        </p:tav>
-                                        <p:tav tm="100000">
-                                          <p:val>
-                                            <p:strVal val="#ppt_y"/>
-                                          </p:val>
-                                        </p:tav>
-                                      </p:tavLst>
-                                    </p:anim>
-                                  </p:childTnLst>
-                                </p:cTn>
-                              </p:par>
-                            </p:childTnLst>
-                          </p:cTn>
-                        </p:par>
-                      </p:childTnLst>
-                    </p:cTn>
-                  </p:par>
-                  <p:par>
-                    <p:cTn id="21" fill="hold">
-                      <p:stCondLst>
-                        <p:cond delay="indefinite"/>
-                      </p:stCondLst>
-                      <p:childTnLst>
-                        <p:par>
-                          <p:cTn id="22" fill="hold">
-                            <p:stCondLst>
-                              <p:cond delay="0"/>
-                            </p:stCondLst>
-                            <p:childTnLst>
-                              <p:par>
-                                <p:cTn id="23" presetID="2" presetClass="entr" presetSubtype="4" fill="hold" nodeType="clickEffect">
-                                  <p:stCondLst>
-                                    <p:cond delay="1000"/>
-                                  </p:stCondLst>
-                                  <p:childTnLst>
-                                    <p:set>
-                                      <p:cBhvr>
-                                        <p:cTn id="24" dur="1" fill="hold">
-                                          <p:stCondLst>
-                                            <p:cond delay="0"/>
-                                          </p:stCondLst>
-                                        </p:cTn>
-                                        <p:tgtEl>
-                                          <p:spTgt spid="5">
-                                            <p:txEl>
-                                              <p:pRg st="2" end="2"/>
-                                            </p:txEl>
-                                          </p:spTgt>
-                                        </p:tgtEl>
-                                        <p:attrNameLst>
-                                          <p:attrName>style.visibility</p:attrName>
-                                        </p:attrNameLst>
-                                      </p:cBhvr>
-                                      <p:to>
-                                        <p:strVal val="visible"/>
-                                      </p:to>
-                                    </p:set>
-                                    <p:anim calcmode="lin" valueType="num">
-                                      <p:cBhvr additive="base">
-                                        <p:cTn id="25" dur="500" fill="hold"/>
-                                        <p:tgtEl>
-                                          <p:spTgt spid="5">
-                                            <p:txEl>
-                                              <p:pRg st="2" end="2"/>
-                                            </p:txEl>
-                                          </p:spTgt>
-                                        </p:tgtEl>
-                                        <p:attrNameLst>
-                                          <p:attrName>ppt_x</p:attrName>
-                                        </p:attrNameLst>
-                                      </p:cBhvr>
-                                      <p:tavLst>
-                                        <p:tav tm="0">
-                                          <p:val>
-                                            <p:strVal val="#ppt_x"/>
-                                          </p:val>
-                                        </p:tav>
-                                        <p:tav tm="100000">
-                                          <p:val>
-                                            <p:strVal val="#ppt_x"/>
-                                          </p:val>
-                                        </p:tav>
-                                      </p:tavLst>
-                                    </p:anim>
-                                    <p:anim calcmode="lin" valueType="num">
-                                      <p:cBhvr additive="base">
-                                        <p:cTn id="26" dur="500" fill="hold"/>
-                                        <p:tgtEl>
-                                          <p:spTgt spid="5">
-                                            <p:txEl>
-                                              <p:pRg st="2" end="2"/>
-                                            </p:txEl>
-                                          </p:spTgt>
-                                        </p:tgtEl>
-                                        <p:attrNameLst>
-                                          <p:attrName>ppt_y</p:attrName>
-                                        </p:attrNameLst>
-                                      </p:cBhvr>
-                                      <p:tavLst>
-                                        <p:tav tm="0">
-                                          <p:val>
-                                            <p:strVal val="1+#ppt_h/2"/>
-                                          </p:val>
-                                        </p:tav>
-                                        <p:tav tm="100000">
-                                          <p:val>
-                                            <p:strVal val="#ppt_y"/>
-                                          </p:val>
-                                        </p:tav>
-                                      </p:tavLst>
-                                    </p:anim>
-                                  </p:childTnLst>
-                                </p:cTn>
-                              </p:par>
-                            </p:childTnLst>
-                          </p:cTn>
-                        </p:par>
-                      </p:childTnLst>
-                    </p:cTn>
-                  </p:par>
-                  <p:par>
-                    <p:cTn id="27" fill="hold">
-                      <p:stCondLst>
-                        <p:cond delay="indefinite"/>
-                      </p:stCondLst>
-                      <p:childTnLst>
-                        <p:par>
-                          <p:cTn id="28" fill="hold">
-                            <p:stCondLst>
-                              <p:cond delay="0"/>
-                            </p:stCondLst>
-                            <p:childTnLst>
-                              <p:par>
-                                <p:cTn id="29" presetID="2" presetClass="entr" presetSubtype="4" fill="hold" nodeType="clickEffect">
-                                  <p:stCondLst>
-                                    <p:cond delay="1000"/>
-                                  </p:stCondLst>
-                                  <p:childTnLst>
-                                    <p:set>
-                                      <p:cBhvr>
-                                        <p:cTn id="30" dur="1" fill="hold">
-                                          <p:stCondLst>
-                                            <p:cond delay="0"/>
-                                          </p:stCondLst>
-                                        </p:cTn>
-                                        <p:tgtEl>
-                                          <p:spTgt spid="5">
-                                            <p:txEl>
-                                              <p:pRg st="3" end="3"/>
-                                            </p:txEl>
-                                          </p:spTgt>
-                                        </p:tgtEl>
-                                        <p:attrNameLst>
-                                          <p:attrName>style.visibility</p:attrName>
-                                        </p:attrNameLst>
-                                      </p:cBhvr>
-                                      <p:to>
-                                        <p:strVal val="visible"/>
-                                      </p:to>
-                                    </p:set>
-                                    <p:anim calcmode="lin" valueType="num">
-                                      <p:cBhvr additive="base">
-                                        <p:cTn id="31" dur="500" fill="hold"/>
-                                        <p:tgtEl>
-                                          <p:spTgt spid="5">
-                                            <p:txEl>
-                                              <p:pRg st="3" end="3"/>
-                                            </p:txEl>
-                                          </p:spTgt>
-                                        </p:tgtEl>
-                                        <p:attrNameLst>
-                                          <p:attrName>ppt_x</p:attrName>
-                                        </p:attrNameLst>
-                                      </p:cBhvr>
-                                      <p:tavLst>
-                                        <p:tav tm="0">
-                                          <p:val>
-                                            <p:strVal val="#ppt_x"/>
-                                          </p:val>
-                                        </p:tav>
-                                        <p:tav tm="100000">
-                                          <p:val>
-                                            <p:strVal val="#ppt_x"/>
-                                          </p:val>
-                                        </p:tav>
-                                      </p:tavLst>
-                                    </p:anim>
-                                    <p:anim calcmode="lin" valueType="num">
-                                      <p:cBhvr additive="base">
-                                        <p:cTn id="32" dur="500" fill="hold"/>
-                                        <p:tgtEl>
-                                          <p:spTgt spid="5">
-                                            <p:txEl>
-                                              <p:pRg st="3" end="3"/>
-                                            </p:txEl>
-                                          </p:spTgt>
-                                        </p:tgtEl>
-                                        <p:attrNameLst>
-                                          <p:attrName>ppt_y</p:attrName>
-                                        </p:attrNameLst>
-                                      </p:cBhvr>
-                                      <p:tavLst>
-                                        <p:tav tm="0">
-                                          <p:val>
-                                            <p:strVal val="1+#ppt_h/2"/>
-                                          </p:val>
-                                        </p:tav>
-                                        <p:tav tm="100000">
-                                          <p:val>
-                                            <p:strVal val="#ppt_y"/>
-                                          </p:val>
-                                        </p:tav>
-                                      </p:tavLst>
-                                    </p:anim>
-                                  </p:childTnLst>
-                                </p:cTn>
-                              </p:par>
-                            </p:childTnLst>
-                          </p:cTn>
-                        </p:par>
-                      </p:childTnLst>
-                    </p:cTn>
-                  </p:par>
-                </p:childTnLst>
-              </p:cTn>
-              <p:prevCondLst>
-                <p:cond evt="onPrev" delay="0">
-                  <p:tgtEl>
-                    <p:sldTgt/>
-                  </p:tgtEl>
-                </p:cond>
-              </p:prevCondLst>
-              <p:nextCondLst>
-                <p:cond evt="onNext" delay="0">
-                  <p:tgtEl>
-                    <p:sldTgt/>
-                  </p:tgtEl>
-                </p:cond>
-              </p:nextCondLst>
-            </p:seq>
-          </p:childTnLst>
-        </p:cTn>
-      </p:par>
-    </p:tnLst>
-    <p:bldLst>
-      <p:bldP spid="4" grpId="0"/>
-    </p:bldLst>
-  </p:timing>
 </p:sld>
 </file>
 
@@ -10369,22 +11332,8 @@
                 <a:ea typeface="+mn-ea"/>
                 <a:cs typeface="+mn-cs"/>
               </a:rPr>
-              <a:t>2. Run experiments on different assets.</a:t>
+              <a:t>2. Run experiments on different assets </a:t>
             </a:r>
-            <a:endParaRPr kumimoji="0" lang="en-US" altLang="en-US" b="0" i="0" u="none" strike="noStrike" kern="1200" cap="none" spc="0" normalizeH="0" baseline="0" noProof="0" dirty="0">
-              <a:ln>
-                <a:noFill/>
-              </a:ln>
-              <a:solidFill>
-                <a:srgbClr val="FFFFFF"/>
-              </a:solidFill>
-              <a:effectLst/>
-              <a:uLnTx/>
-              <a:uFillTx/>
-              <a:latin typeface="ui-sans-serif"/>
-              <a:ea typeface="+mn-ea"/>
-              <a:cs typeface="+mn-cs"/>
-            </a:endParaRPr>
           </a:p>
           <a:p>
             <a:pPr marL="0" marR="0" lvl="0" indent="0" defTabSz="914400" rtl="0" eaLnBrk="0" fontAlgn="base" latinLnBrk="0" hangingPunct="0">
@@ -10416,7 +11365,7 @@
                 <a:ea typeface="+mn-ea"/>
                 <a:cs typeface="+mn-cs"/>
               </a:rPr>
-              <a:t>Develop a function that forecasts volatility.</a:t>
+              <a:t>Develop a function that forecasts volatility</a:t>
             </a:r>
           </a:p>
           <a:p>
@@ -10504,542 +11453,6 @@
   <p:clrMapOvr>
     <a:overrideClrMapping bg1="dk1" tx1="lt1" bg2="dk2" tx2="lt2" accent1="accent1" accent2="accent2" accent3="accent3" accent4="accent4" accent5="accent5" accent6="accent6" hlink="hlink" folHlink="folHlink"/>
   </p:clrMapOvr>
-  <p:timing>
-    <p:tnLst>
-      <p:par>
-        <p:cTn id="1" dur="indefinite" restart="never" nodeType="tmRoot">
-          <p:childTnLst>
-            <p:seq concurrent="1" nextAc="seek">
-              <p:cTn id="2" dur="indefinite" nodeType="mainSeq">
-                <p:childTnLst>
-                  <p:par>
-                    <p:cTn id="3" fill="hold">
-                      <p:stCondLst>
-                        <p:cond delay="indefinite"/>
-                      </p:stCondLst>
-                      <p:childTnLst>
-                        <p:par>
-                          <p:cTn id="4" fill="hold">
-                            <p:stCondLst>
-                              <p:cond delay="0"/>
-                            </p:stCondLst>
-                            <p:childTnLst>
-                              <p:par>
-                                <p:cTn id="5" presetID="2" presetClass="entr" presetSubtype="4" fill="hold" grpId="0" nodeType="clickEffect">
-                                  <p:stCondLst>
-                                    <p:cond delay="500"/>
-                                  </p:stCondLst>
-                                  <p:childTnLst>
-                                    <p:set>
-                                      <p:cBhvr>
-                                        <p:cTn id="6" dur="1" fill="hold">
-                                          <p:stCondLst>
-                                            <p:cond delay="0"/>
-                                          </p:stCondLst>
-                                        </p:cTn>
-                                        <p:tgtEl>
-                                          <p:spTgt spid="4"/>
-                                        </p:tgtEl>
-                                        <p:attrNameLst>
-                                          <p:attrName>style.visibility</p:attrName>
-                                        </p:attrNameLst>
-                                      </p:cBhvr>
-                                      <p:to>
-                                        <p:strVal val="visible"/>
-                                      </p:to>
-                                    </p:set>
-                                    <p:anim calcmode="lin" valueType="num">
-                                      <p:cBhvr additive="base">
-                                        <p:cTn id="7" dur="500" fill="hold"/>
-                                        <p:tgtEl>
-                                          <p:spTgt spid="4"/>
-                                        </p:tgtEl>
-                                        <p:attrNameLst>
-                                          <p:attrName>ppt_x</p:attrName>
-                                        </p:attrNameLst>
-                                      </p:cBhvr>
-                                      <p:tavLst>
-                                        <p:tav tm="0">
-                                          <p:val>
-                                            <p:strVal val="#ppt_x"/>
-                                          </p:val>
-                                        </p:tav>
-                                        <p:tav tm="100000">
-                                          <p:val>
-                                            <p:strVal val="#ppt_x"/>
-                                          </p:val>
-                                        </p:tav>
-                                      </p:tavLst>
-                                    </p:anim>
-                                    <p:anim calcmode="lin" valueType="num">
-                                      <p:cBhvr additive="base">
-                                        <p:cTn id="8" dur="500" fill="hold"/>
-                                        <p:tgtEl>
-                                          <p:spTgt spid="4"/>
-                                        </p:tgtEl>
-                                        <p:attrNameLst>
-                                          <p:attrName>ppt_y</p:attrName>
-                                        </p:attrNameLst>
-                                      </p:cBhvr>
-                                      <p:tavLst>
-                                        <p:tav tm="0">
-                                          <p:val>
-                                            <p:strVal val="1+#ppt_h/2"/>
-                                          </p:val>
-                                        </p:tav>
-                                        <p:tav tm="100000">
-                                          <p:val>
-                                            <p:strVal val="#ppt_y"/>
-                                          </p:val>
-                                        </p:tav>
-                                      </p:tavLst>
-                                    </p:anim>
-                                  </p:childTnLst>
-                                </p:cTn>
-                              </p:par>
-                            </p:childTnLst>
-                          </p:cTn>
-                        </p:par>
-                      </p:childTnLst>
-                    </p:cTn>
-                  </p:par>
-                  <p:par>
-                    <p:cTn id="9" fill="hold">
-                      <p:stCondLst>
-                        <p:cond delay="indefinite"/>
-                      </p:stCondLst>
-                      <p:childTnLst>
-                        <p:par>
-                          <p:cTn id="10" fill="hold">
-                            <p:stCondLst>
-                              <p:cond delay="0"/>
-                            </p:stCondLst>
-                            <p:childTnLst>
-                              <p:par>
-                                <p:cTn id="11" presetID="2" presetClass="entr" presetSubtype="4" fill="hold" nodeType="clickEffect">
-                                  <p:stCondLst>
-                                    <p:cond delay="1000"/>
-                                  </p:stCondLst>
-                                  <p:childTnLst>
-                                    <p:set>
-                                      <p:cBhvr>
-                                        <p:cTn id="12" dur="1" fill="hold">
-                                          <p:stCondLst>
-                                            <p:cond delay="0"/>
-                                          </p:stCondLst>
-                                        </p:cTn>
-                                        <p:tgtEl>
-                                          <p:spTgt spid="5">
-                                            <p:txEl>
-                                              <p:pRg st="1" end="1"/>
-                                            </p:txEl>
-                                          </p:spTgt>
-                                        </p:tgtEl>
-                                        <p:attrNameLst>
-                                          <p:attrName>style.visibility</p:attrName>
-                                        </p:attrNameLst>
-                                      </p:cBhvr>
-                                      <p:to>
-                                        <p:strVal val="visible"/>
-                                      </p:to>
-                                    </p:set>
-                                    <p:anim calcmode="lin" valueType="num">
-                                      <p:cBhvr additive="base">
-                                        <p:cTn id="13" dur="500" fill="hold"/>
-                                        <p:tgtEl>
-                                          <p:spTgt spid="5">
-                                            <p:txEl>
-                                              <p:pRg st="1" end="1"/>
-                                            </p:txEl>
-                                          </p:spTgt>
-                                        </p:tgtEl>
-                                        <p:attrNameLst>
-                                          <p:attrName>ppt_x</p:attrName>
-                                        </p:attrNameLst>
-                                      </p:cBhvr>
-                                      <p:tavLst>
-                                        <p:tav tm="0">
-                                          <p:val>
-                                            <p:strVal val="#ppt_x"/>
-                                          </p:val>
-                                        </p:tav>
-                                        <p:tav tm="100000">
-                                          <p:val>
-                                            <p:strVal val="#ppt_x"/>
-                                          </p:val>
-                                        </p:tav>
-                                      </p:tavLst>
-                                    </p:anim>
-                                    <p:anim calcmode="lin" valueType="num">
-                                      <p:cBhvr additive="base">
-                                        <p:cTn id="14" dur="500" fill="hold"/>
-                                        <p:tgtEl>
-                                          <p:spTgt spid="5">
-                                            <p:txEl>
-                                              <p:pRg st="1" end="1"/>
-                                            </p:txEl>
-                                          </p:spTgt>
-                                        </p:tgtEl>
-                                        <p:attrNameLst>
-                                          <p:attrName>ppt_y</p:attrName>
-                                        </p:attrNameLst>
-                                      </p:cBhvr>
-                                      <p:tavLst>
-                                        <p:tav tm="0">
-                                          <p:val>
-                                            <p:strVal val="1+#ppt_h/2"/>
-                                          </p:val>
-                                        </p:tav>
-                                        <p:tav tm="100000">
-                                          <p:val>
-                                            <p:strVal val="#ppt_y"/>
-                                          </p:val>
-                                        </p:tav>
-                                      </p:tavLst>
-                                    </p:anim>
-                                  </p:childTnLst>
-                                </p:cTn>
-                              </p:par>
-                            </p:childTnLst>
-                          </p:cTn>
-                        </p:par>
-                      </p:childTnLst>
-                    </p:cTn>
-                  </p:par>
-                  <p:par>
-                    <p:cTn id="15" fill="hold">
-                      <p:stCondLst>
-                        <p:cond delay="indefinite"/>
-                      </p:stCondLst>
-                      <p:childTnLst>
-                        <p:par>
-                          <p:cTn id="16" fill="hold">
-                            <p:stCondLst>
-                              <p:cond delay="0"/>
-                            </p:stCondLst>
-                            <p:childTnLst>
-                              <p:par>
-                                <p:cTn id="17" presetID="2" presetClass="entr" presetSubtype="4" fill="hold" nodeType="clickEffect">
-                                  <p:stCondLst>
-                                    <p:cond delay="1000"/>
-                                  </p:stCondLst>
-                                  <p:childTnLst>
-                                    <p:set>
-                                      <p:cBhvr>
-                                        <p:cTn id="18" dur="1" fill="hold">
-                                          <p:stCondLst>
-                                            <p:cond delay="0"/>
-                                          </p:stCondLst>
-                                        </p:cTn>
-                                        <p:tgtEl>
-                                          <p:spTgt spid="5">
-                                            <p:txEl>
-                                              <p:pRg st="2" end="2"/>
-                                            </p:txEl>
-                                          </p:spTgt>
-                                        </p:tgtEl>
-                                        <p:attrNameLst>
-                                          <p:attrName>style.visibility</p:attrName>
-                                        </p:attrNameLst>
-                                      </p:cBhvr>
-                                      <p:to>
-                                        <p:strVal val="visible"/>
-                                      </p:to>
-                                    </p:set>
-                                    <p:anim calcmode="lin" valueType="num">
-                                      <p:cBhvr additive="base">
-                                        <p:cTn id="19" dur="500" fill="hold"/>
-                                        <p:tgtEl>
-                                          <p:spTgt spid="5">
-                                            <p:txEl>
-                                              <p:pRg st="2" end="2"/>
-                                            </p:txEl>
-                                          </p:spTgt>
-                                        </p:tgtEl>
-                                        <p:attrNameLst>
-                                          <p:attrName>ppt_x</p:attrName>
-                                        </p:attrNameLst>
-                                      </p:cBhvr>
-                                      <p:tavLst>
-                                        <p:tav tm="0">
-                                          <p:val>
-                                            <p:strVal val="#ppt_x"/>
-                                          </p:val>
-                                        </p:tav>
-                                        <p:tav tm="100000">
-                                          <p:val>
-                                            <p:strVal val="#ppt_x"/>
-                                          </p:val>
-                                        </p:tav>
-                                      </p:tavLst>
-                                    </p:anim>
-                                    <p:anim calcmode="lin" valueType="num">
-                                      <p:cBhvr additive="base">
-                                        <p:cTn id="20" dur="500" fill="hold"/>
-                                        <p:tgtEl>
-                                          <p:spTgt spid="5">
-                                            <p:txEl>
-                                              <p:pRg st="2" end="2"/>
-                                            </p:txEl>
-                                          </p:spTgt>
-                                        </p:tgtEl>
-                                        <p:attrNameLst>
-                                          <p:attrName>ppt_y</p:attrName>
-                                        </p:attrNameLst>
-                                      </p:cBhvr>
-                                      <p:tavLst>
-                                        <p:tav tm="0">
-                                          <p:val>
-                                            <p:strVal val="1+#ppt_h/2"/>
-                                          </p:val>
-                                        </p:tav>
-                                        <p:tav tm="100000">
-                                          <p:val>
-                                            <p:strVal val="#ppt_y"/>
-                                          </p:val>
-                                        </p:tav>
-                                      </p:tavLst>
-                                    </p:anim>
-                                  </p:childTnLst>
-                                </p:cTn>
-                              </p:par>
-                            </p:childTnLst>
-                          </p:cTn>
-                        </p:par>
-                      </p:childTnLst>
-                    </p:cTn>
-                  </p:par>
-                  <p:par>
-                    <p:cTn id="21" fill="hold">
-                      <p:stCondLst>
-                        <p:cond delay="indefinite"/>
-                      </p:stCondLst>
-                      <p:childTnLst>
-                        <p:par>
-                          <p:cTn id="22" fill="hold">
-                            <p:stCondLst>
-                              <p:cond delay="0"/>
-                            </p:stCondLst>
-                            <p:childTnLst>
-                              <p:par>
-                                <p:cTn id="23" presetID="2" presetClass="entr" presetSubtype="4" fill="hold" nodeType="clickEffect">
-                                  <p:stCondLst>
-                                    <p:cond delay="1000"/>
-                                  </p:stCondLst>
-                                  <p:childTnLst>
-                                    <p:set>
-                                      <p:cBhvr>
-                                        <p:cTn id="24" dur="1" fill="hold">
-                                          <p:stCondLst>
-                                            <p:cond delay="0"/>
-                                          </p:stCondLst>
-                                        </p:cTn>
-                                        <p:tgtEl>
-                                          <p:spTgt spid="5">
-                                            <p:txEl>
-                                              <p:pRg st="3" end="3"/>
-                                            </p:txEl>
-                                          </p:spTgt>
-                                        </p:tgtEl>
-                                        <p:attrNameLst>
-                                          <p:attrName>style.visibility</p:attrName>
-                                        </p:attrNameLst>
-                                      </p:cBhvr>
-                                      <p:to>
-                                        <p:strVal val="visible"/>
-                                      </p:to>
-                                    </p:set>
-                                    <p:anim calcmode="lin" valueType="num">
-                                      <p:cBhvr additive="base">
-                                        <p:cTn id="25" dur="500" fill="hold"/>
-                                        <p:tgtEl>
-                                          <p:spTgt spid="5">
-                                            <p:txEl>
-                                              <p:pRg st="3" end="3"/>
-                                            </p:txEl>
-                                          </p:spTgt>
-                                        </p:tgtEl>
-                                        <p:attrNameLst>
-                                          <p:attrName>ppt_x</p:attrName>
-                                        </p:attrNameLst>
-                                      </p:cBhvr>
-                                      <p:tavLst>
-                                        <p:tav tm="0">
-                                          <p:val>
-                                            <p:strVal val="#ppt_x"/>
-                                          </p:val>
-                                        </p:tav>
-                                        <p:tav tm="100000">
-                                          <p:val>
-                                            <p:strVal val="#ppt_x"/>
-                                          </p:val>
-                                        </p:tav>
-                                      </p:tavLst>
-                                    </p:anim>
-                                    <p:anim calcmode="lin" valueType="num">
-                                      <p:cBhvr additive="base">
-                                        <p:cTn id="26" dur="500" fill="hold"/>
-                                        <p:tgtEl>
-                                          <p:spTgt spid="5">
-                                            <p:txEl>
-                                              <p:pRg st="3" end="3"/>
-                                            </p:txEl>
-                                          </p:spTgt>
-                                        </p:tgtEl>
-                                        <p:attrNameLst>
-                                          <p:attrName>ppt_y</p:attrName>
-                                        </p:attrNameLst>
-                                      </p:cBhvr>
-                                      <p:tavLst>
-                                        <p:tav tm="0">
-                                          <p:val>
-                                            <p:strVal val="1+#ppt_h/2"/>
-                                          </p:val>
-                                        </p:tav>
-                                        <p:tav tm="100000">
-                                          <p:val>
-                                            <p:strVal val="#ppt_y"/>
-                                          </p:val>
-                                        </p:tav>
-                                      </p:tavLst>
-                                    </p:anim>
-                                  </p:childTnLst>
-                                </p:cTn>
-                              </p:par>
-                            </p:childTnLst>
-                          </p:cTn>
-                        </p:par>
-                      </p:childTnLst>
-                    </p:cTn>
-                  </p:par>
-                  <p:par>
-                    <p:cTn id="27" fill="hold">
-                      <p:stCondLst>
-                        <p:cond delay="indefinite"/>
-                      </p:stCondLst>
-                      <p:childTnLst>
-                        <p:par>
-                          <p:cTn id="28" fill="hold">
-                            <p:stCondLst>
-                              <p:cond delay="0"/>
-                            </p:stCondLst>
-                            <p:childTnLst>
-                              <p:par>
-                                <p:cTn id="29" presetID="2" presetClass="entr" presetSubtype="4" fill="hold" nodeType="clickEffect">
-                                  <p:stCondLst>
-                                    <p:cond delay="1000"/>
-                                  </p:stCondLst>
-                                  <p:childTnLst>
-                                    <p:set>
-                                      <p:cBhvr>
-                                        <p:cTn id="30" dur="1" fill="hold">
-                                          <p:stCondLst>
-                                            <p:cond delay="0"/>
-                                          </p:stCondLst>
-                                        </p:cTn>
-                                        <p:tgtEl>
-                                          <p:spTgt spid="5">
-                                            <p:txEl>
-                                              <p:pRg st="4" end="4"/>
-                                            </p:txEl>
-                                          </p:spTgt>
-                                        </p:tgtEl>
-                                        <p:attrNameLst>
-                                          <p:attrName>style.visibility</p:attrName>
-                                        </p:attrNameLst>
-                                      </p:cBhvr>
-                                      <p:to>
-                                        <p:strVal val="visible"/>
-                                      </p:to>
-                                    </p:set>
-                                    <p:anim calcmode="lin" valueType="num">
-                                      <p:cBhvr additive="base">
-                                        <p:cTn id="31" dur="500" fill="hold"/>
-                                        <p:tgtEl>
-                                          <p:spTgt spid="5">
-                                            <p:txEl>
-                                              <p:pRg st="4" end="4"/>
-                                            </p:txEl>
-                                          </p:spTgt>
-                                        </p:tgtEl>
-                                        <p:attrNameLst>
-                                          <p:attrName>ppt_x</p:attrName>
-                                        </p:attrNameLst>
-                                      </p:cBhvr>
-                                      <p:tavLst>
-                                        <p:tav tm="0">
-                                          <p:val>
-                                            <p:strVal val="#ppt_x"/>
-                                          </p:val>
-                                        </p:tav>
-                                        <p:tav tm="100000">
-                                          <p:val>
-                                            <p:strVal val="#ppt_x"/>
-                                          </p:val>
-                                        </p:tav>
-                                      </p:tavLst>
-                                    </p:anim>
-                                    <p:anim calcmode="lin" valueType="num">
-                                      <p:cBhvr additive="base">
-                                        <p:cTn id="32" dur="500" fill="hold"/>
-                                        <p:tgtEl>
-                                          <p:spTgt spid="5">
-                                            <p:txEl>
-                                              <p:pRg st="4" end="4"/>
-                                            </p:txEl>
-                                          </p:spTgt>
-                                        </p:tgtEl>
-                                        <p:attrNameLst>
-                                          <p:attrName>ppt_y</p:attrName>
-                                        </p:attrNameLst>
-                                      </p:cBhvr>
-                                      <p:tavLst>
-                                        <p:tav tm="0">
-                                          <p:val>
-                                            <p:strVal val="1+#ppt_h/2"/>
-                                          </p:val>
-                                        </p:tav>
-                                        <p:tav tm="100000">
-                                          <p:val>
-                                            <p:strVal val="#ppt_y"/>
-                                          </p:val>
-                                        </p:tav>
-                                      </p:tavLst>
-                                    </p:anim>
-                                  </p:childTnLst>
-                                </p:cTn>
-                              </p:par>
-                            </p:childTnLst>
-                          </p:cTn>
-                        </p:par>
-                      </p:childTnLst>
-                    </p:cTn>
-                  </p:par>
-                </p:childTnLst>
-              </p:cTn>
-              <p:prevCondLst>
-                <p:cond evt="onPrev" delay="0">
-                  <p:tgtEl>
-                    <p:sldTgt/>
-                  </p:tgtEl>
-                </p:cond>
-              </p:prevCondLst>
-              <p:nextCondLst>
-                <p:cond evt="onNext" delay="0">
-                  <p:tgtEl>
-                    <p:sldTgt/>
-                  </p:tgtEl>
-                </p:cond>
-              </p:nextCondLst>
-            </p:seq>
-          </p:childTnLst>
-        </p:cTn>
-      </p:par>
-    </p:tnLst>
-    <p:bldLst>
-      <p:bldP spid="4" grpId="0"/>
-    </p:bldLst>
-  </p:timing>
 </p:sld>
 </file>
 
@@ -11260,7 +11673,7 @@
                   <a:srgbClr val="FFFFFF"/>
                 </a:solidFill>
               </a:rPr>
-              <a:t>3. Validate or invalidate hypothesis.</a:t>
+              <a:t>3. Validate or invalidate hypothesis</a:t>
             </a:r>
           </a:p>
           <a:p>
@@ -11305,542 +11718,6 @@
   <p:clrMapOvr>
     <a:overrideClrMapping bg1="dk1" tx1="lt1" bg2="dk2" tx2="lt2" accent1="accent1" accent2="accent2" accent3="accent3" accent4="accent4" accent5="accent5" accent6="accent6" hlink="hlink" folHlink="folHlink"/>
   </p:clrMapOvr>
-  <p:timing>
-    <p:tnLst>
-      <p:par>
-        <p:cTn id="1" dur="indefinite" restart="never" nodeType="tmRoot">
-          <p:childTnLst>
-            <p:seq concurrent="1" nextAc="seek">
-              <p:cTn id="2" dur="indefinite" nodeType="mainSeq">
-                <p:childTnLst>
-                  <p:par>
-                    <p:cTn id="3" fill="hold">
-                      <p:stCondLst>
-                        <p:cond delay="indefinite"/>
-                      </p:stCondLst>
-                      <p:childTnLst>
-                        <p:par>
-                          <p:cTn id="4" fill="hold">
-                            <p:stCondLst>
-                              <p:cond delay="0"/>
-                            </p:stCondLst>
-                            <p:childTnLst>
-                              <p:par>
-                                <p:cTn id="5" presetID="2" presetClass="entr" presetSubtype="4" fill="hold" grpId="0" nodeType="clickEffect">
-                                  <p:stCondLst>
-                                    <p:cond delay="500"/>
-                                  </p:stCondLst>
-                                  <p:childTnLst>
-                                    <p:set>
-                                      <p:cBhvr>
-                                        <p:cTn id="6" dur="1" fill="hold">
-                                          <p:stCondLst>
-                                            <p:cond delay="0"/>
-                                          </p:stCondLst>
-                                        </p:cTn>
-                                        <p:tgtEl>
-                                          <p:spTgt spid="2"/>
-                                        </p:tgtEl>
-                                        <p:attrNameLst>
-                                          <p:attrName>style.visibility</p:attrName>
-                                        </p:attrNameLst>
-                                      </p:cBhvr>
-                                      <p:to>
-                                        <p:strVal val="visible"/>
-                                      </p:to>
-                                    </p:set>
-                                    <p:anim calcmode="lin" valueType="num">
-                                      <p:cBhvr additive="base">
-                                        <p:cTn id="7" dur="500" fill="hold"/>
-                                        <p:tgtEl>
-                                          <p:spTgt spid="2"/>
-                                        </p:tgtEl>
-                                        <p:attrNameLst>
-                                          <p:attrName>ppt_x</p:attrName>
-                                        </p:attrNameLst>
-                                      </p:cBhvr>
-                                      <p:tavLst>
-                                        <p:tav tm="0">
-                                          <p:val>
-                                            <p:strVal val="#ppt_x"/>
-                                          </p:val>
-                                        </p:tav>
-                                        <p:tav tm="100000">
-                                          <p:val>
-                                            <p:strVal val="#ppt_x"/>
-                                          </p:val>
-                                        </p:tav>
-                                      </p:tavLst>
-                                    </p:anim>
-                                    <p:anim calcmode="lin" valueType="num">
-                                      <p:cBhvr additive="base">
-                                        <p:cTn id="8" dur="500" fill="hold"/>
-                                        <p:tgtEl>
-                                          <p:spTgt spid="2"/>
-                                        </p:tgtEl>
-                                        <p:attrNameLst>
-                                          <p:attrName>ppt_y</p:attrName>
-                                        </p:attrNameLst>
-                                      </p:cBhvr>
-                                      <p:tavLst>
-                                        <p:tav tm="0">
-                                          <p:val>
-                                            <p:strVal val="1+#ppt_h/2"/>
-                                          </p:val>
-                                        </p:tav>
-                                        <p:tav tm="100000">
-                                          <p:val>
-                                            <p:strVal val="#ppt_y"/>
-                                          </p:val>
-                                        </p:tav>
-                                      </p:tavLst>
-                                    </p:anim>
-                                  </p:childTnLst>
-                                </p:cTn>
-                              </p:par>
-                            </p:childTnLst>
-                          </p:cTn>
-                        </p:par>
-                      </p:childTnLst>
-                    </p:cTn>
-                  </p:par>
-                  <p:par>
-                    <p:cTn id="9" fill="hold">
-                      <p:stCondLst>
-                        <p:cond delay="indefinite"/>
-                      </p:stCondLst>
-                      <p:childTnLst>
-                        <p:par>
-                          <p:cTn id="10" fill="hold">
-                            <p:stCondLst>
-                              <p:cond delay="0"/>
-                            </p:stCondLst>
-                            <p:childTnLst>
-                              <p:par>
-                                <p:cTn id="11" presetID="2" presetClass="entr" presetSubtype="4" fill="hold" nodeType="clickEffect">
-                                  <p:stCondLst>
-                                    <p:cond delay="1000"/>
-                                  </p:stCondLst>
-                                  <p:childTnLst>
-                                    <p:set>
-                                      <p:cBhvr>
-                                        <p:cTn id="12" dur="1" fill="hold">
-                                          <p:stCondLst>
-                                            <p:cond delay="0"/>
-                                          </p:stCondLst>
-                                        </p:cTn>
-                                        <p:tgtEl>
-                                          <p:spTgt spid="4">
-                                            <p:txEl>
-                                              <p:pRg st="1" end="1"/>
-                                            </p:txEl>
-                                          </p:spTgt>
-                                        </p:tgtEl>
-                                        <p:attrNameLst>
-                                          <p:attrName>style.visibility</p:attrName>
-                                        </p:attrNameLst>
-                                      </p:cBhvr>
-                                      <p:to>
-                                        <p:strVal val="visible"/>
-                                      </p:to>
-                                    </p:set>
-                                    <p:anim calcmode="lin" valueType="num">
-                                      <p:cBhvr additive="base">
-                                        <p:cTn id="13" dur="500" fill="hold"/>
-                                        <p:tgtEl>
-                                          <p:spTgt spid="4">
-                                            <p:txEl>
-                                              <p:pRg st="1" end="1"/>
-                                            </p:txEl>
-                                          </p:spTgt>
-                                        </p:tgtEl>
-                                        <p:attrNameLst>
-                                          <p:attrName>ppt_x</p:attrName>
-                                        </p:attrNameLst>
-                                      </p:cBhvr>
-                                      <p:tavLst>
-                                        <p:tav tm="0">
-                                          <p:val>
-                                            <p:strVal val="#ppt_x"/>
-                                          </p:val>
-                                        </p:tav>
-                                        <p:tav tm="100000">
-                                          <p:val>
-                                            <p:strVal val="#ppt_x"/>
-                                          </p:val>
-                                        </p:tav>
-                                      </p:tavLst>
-                                    </p:anim>
-                                    <p:anim calcmode="lin" valueType="num">
-                                      <p:cBhvr additive="base">
-                                        <p:cTn id="14" dur="500" fill="hold"/>
-                                        <p:tgtEl>
-                                          <p:spTgt spid="4">
-                                            <p:txEl>
-                                              <p:pRg st="1" end="1"/>
-                                            </p:txEl>
-                                          </p:spTgt>
-                                        </p:tgtEl>
-                                        <p:attrNameLst>
-                                          <p:attrName>ppt_y</p:attrName>
-                                        </p:attrNameLst>
-                                      </p:cBhvr>
-                                      <p:tavLst>
-                                        <p:tav tm="0">
-                                          <p:val>
-                                            <p:strVal val="1+#ppt_h/2"/>
-                                          </p:val>
-                                        </p:tav>
-                                        <p:tav tm="100000">
-                                          <p:val>
-                                            <p:strVal val="#ppt_y"/>
-                                          </p:val>
-                                        </p:tav>
-                                      </p:tavLst>
-                                    </p:anim>
-                                  </p:childTnLst>
-                                </p:cTn>
-                              </p:par>
-                            </p:childTnLst>
-                          </p:cTn>
-                        </p:par>
-                      </p:childTnLst>
-                    </p:cTn>
-                  </p:par>
-                  <p:par>
-                    <p:cTn id="15" fill="hold">
-                      <p:stCondLst>
-                        <p:cond delay="indefinite"/>
-                      </p:stCondLst>
-                      <p:childTnLst>
-                        <p:par>
-                          <p:cTn id="16" fill="hold">
-                            <p:stCondLst>
-                              <p:cond delay="0"/>
-                            </p:stCondLst>
-                            <p:childTnLst>
-                              <p:par>
-                                <p:cTn id="17" presetID="2" presetClass="entr" presetSubtype="4" fill="hold" nodeType="clickEffect">
-                                  <p:stCondLst>
-                                    <p:cond delay="1000"/>
-                                  </p:stCondLst>
-                                  <p:childTnLst>
-                                    <p:set>
-                                      <p:cBhvr>
-                                        <p:cTn id="18" dur="1" fill="hold">
-                                          <p:stCondLst>
-                                            <p:cond delay="0"/>
-                                          </p:stCondLst>
-                                        </p:cTn>
-                                        <p:tgtEl>
-                                          <p:spTgt spid="4">
-                                            <p:txEl>
-                                              <p:pRg st="2" end="2"/>
-                                            </p:txEl>
-                                          </p:spTgt>
-                                        </p:tgtEl>
-                                        <p:attrNameLst>
-                                          <p:attrName>style.visibility</p:attrName>
-                                        </p:attrNameLst>
-                                      </p:cBhvr>
-                                      <p:to>
-                                        <p:strVal val="visible"/>
-                                      </p:to>
-                                    </p:set>
-                                    <p:anim calcmode="lin" valueType="num">
-                                      <p:cBhvr additive="base">
-                                        <p:cTn id="19" dur="500" fill="hold"/>
-                                        <p:tgtEl>
-                                          <p:spTgt spid="4">
-                                            <p:txEl>
-                                              <p:pRg st="2" end="2"/>
-                                            </p:txEl>
-                                          </p:spTgt>
-                                        </p:tgtEl>
-                                        <p:attrNameLst>
-                                          <p:attrName>ppt_x</p:attrName>
-                                        </p:attrNameLst>
-                                      </p:cBhvr>
-                                      <p:tavLst>
-                                        <p:tav tm="0">
-                                          <p:val>
-                                            <p:strVal val="#ppt_x"/>
-                                          </p:val>
-                                        </p:tav>
-                                        <p:tav tm="100000">
-                                          <p:val>
-                                            <p:strVal val="#ppt_x"/>
-                                          </p:val>
-                                        </p:tav>
-                                      </p:tavLst>
-                                    </p:anim>
-                                    <p:anim calcmode="lin" valueType="num">
-                                      <p:cBhvr additive="base">
-                                        <p:cTn id="20" dur="500" fill="hold"/>
-                                        <p:tgtEl>
-                                          <p:spTgt spid="4">
-                                            <p:txEl>
-                                              <p:pRg st="2" end="2"/>
-                                            </p:txEl>
-                                          </p:spTgt>
-                                        </p:tgtEl>
-                                        <p:attrNameLst>
-                                          <p:attrName>ppt_y</p:attrName>
-                                        </p:attrNameLst>
-                                      </p:cBhvr>
-                                      <p:tavLst>
-                                        <p:tav tm="0">
-                                          <p:val>
-                                            <p:strVal val="1+#ppt_h/2"/>
-                                          </p:val>
-                                        </p:tav>
-                                        <p:tav tm="100000">
-                                          <p:val>
-                                            <p:strVal val="#ppt_y"/>
-                                          </p:val>
-                                        </p:tav>
-                                      </p:tavLst>
-                                    </p:anim>
-                                  </p:childTnLst>
-                                </p:cTn>
-                              </p:par>
-                            </p:childTnLst>
-                          </p:cTn>
-                        </p:par>
-                      </p:childTnLst>
-                    </p:cTn>
-                  </p:par>
-                  <p:par>
-                    <p:cTn id="21" fill="hold">
-                      <p:stCondLst>
-                        <p:cond delay="indefinite"/>
-                      </p:stCondLst>
-                      <p:childTnLst>
-                        <p:par>
-                          <p:cTn id="22" fill="hold">
-                            <p:stCondLst>
-                              <p:cond delay="0"/>
-                            </p:stCondLst>
-                            <p:childTnLst>
-                              <p:par>
-                                <p:cTn id="23" presetID="2" presetClass="entr" presetSubtype="4" fill="hold" nodeType="clickEffect">
-                                  <p:stCondLst>
-                                    <p:cond delay="1000"/>
-                                  </p:stCondLst>
-                                  <p:childTnLst>
-                                    <p:set>
-                                      <p:cBhvr>
-                                        <p:cTn id="24" dur="1" fill="hold">
-                                          <p:stCondLst>
-                                            <p:cond delay="0"/>
-                                          </p:stCondLst>
-                                        </p:cTn>
-                                        <p:tgtEl>
-                                          <p:spTgt spid="4">
-                                            <p:txEl>
-                                              <p:pRg st="3" end="3"/>
-                                            </p:txEl>
-                                          </p:spTgt>
-                                        </p:tgtEl>
-                                        <p:attrNameLst>
-                                          <p:attrName>style.visibility</p:attrName>
-                                        </p:attrNameLst>
-                                      </p:cBhvr>
-                                      <p:to>
-                                        <p:strVal val="visible"/>
-                                      </p:to>
-                                    </p:set>
-                                    <p:anim calcmode="lin" valueType="num">
-                                      <p:cBhvr additive="base">
-                                        <p:cTn id="25" dur="500" fill="hold"/>
-                                        <p:tgtEl>
-                                          <p:spTgt spid="4">
-                                            <p:txEl>
-                                              <p:pRg st="3" end="3"/>
-                                            </p:txEl>
-                                          </p:spTgt>
-                                        </p:tgtEl>
-                                        <p:attrNameLst>
-                                          <p:attrName>ppt_x</p:attrName>
-                                        </p:attrNameLst>
-                                      </p:cBhvr>
-                                      <p:tavLst>
-                                        <p:tav tm="0">
-                                          <p:val>
-                                            <p:strVal val="#ppt_x"/>
-                                          </p:val>
-                                        </p:tav>
-                                        <p:tav tm="100000">
-                                          <p:val>
-                                            <p:strVal val="#ppt_x"/>
-                                          </p:val>
-                                        </p:tav>
-                                      </p:tavLst>
-                                    </p:anim>
-                                    <p:anim calcmode="lin" valueType="num">
-                                      <p:cBhvr additive="base">
-                                        <p:cTn id="26" dur="500" fill="hold"/>
-                                        <p:tgtEl>
-                                          <p:spTgt spid="4">
-                                            <p:txEl>
-                                              <p:pRg st="3" end="3"/>
-                                            </p:txEl>
-                                          </p:spTgt>
-                                        </p:tgtEl>
-                                        <p:attrNameLst>
-                                          <p:attrName>ppt_y</p:attrName>
-                                        </p:attrNameLst>
-                                      </p:cBhvr>
-                                      <p:tavLst>
-                                        <p:tav tm="0">
-                                          <p:val>
-                                            <p:strVal val="1+#ppt_h/2"/>
-                                          </p:val>
-                                        </p:tav>
-                                        <p:tav tm="100000">
-                                          <p:val>
-                                            <p:strVal val="#ppt_y"/>
-                                          </p:val>
-                                        </p:tav>
-                                      </p:tavLst>
-                                    </p:anim>
-                                  </p:childTnLst>
-                                </p:cTn>
-                              </p:par>
-                            </p:childTnLst>
-                          </p:cTn>
-                        </p:par>
-                      </p:childTnLst>
-                    </p:cTn>
-                  </p:par>
-                  <p:par>
-                    <p:cTn id="27" fill="hold">
-                      <p:stCondLst>
-                        <p:cond delay="indefinite"/>
-                      </p:stCondLst>
-                      <p:childTnLst>
-                        <p:par>
-                          <p:cTn id="28" fill="hold">
-                            <p:stCondLst>
-                              <p:cond delay="0"/>
-                            </p:stCondLst>
-                            <p:childTnLst>
-                              <p:par>
-                                <p:cTn id="29" presetID="2" presetClass="entr" presetSubtype="4" fill="hold" nodeType="clickEffect">
-                                  <p:stCondLst>
-                                    <p:cond delay="1000"/>
-                                  </p:stCondLst>
-                                  <p:childTnLst>
-                                    <p:set>
-                                      <p:cBhvr>
-                                        <p:cTn id="30" dur="1" fill="hold">
-                                          <p:stCondLst>
-                                            <p:cond delay="0"/>
-                                          </p:stCondLst>
-                                        </p:cTn>
-                                        <p:tgtEl>
-                                          <p:spTgt spid="4">
-                                            <p:txEl>
-                                              <p:pRg st="4" end="4"/>
-                                            </p:txEl>
-                                          </p:spTgt>
-                                        </p:tgtEl>
-                                        <p:attrNameLst>
-                                          <p:attrName>style.visibility</p:attrName>
-                                        </p:attrNameLst>
-                                      </p:cBhvr>
-                                      <p:to>
-                                        <p:strVal val="visible"/>
-                                      </p:to>
-                                    </p:set>
-                                    <p:anim calcmode="lin" valueType="num">
-                                      <p:cBhvr additive="base">
-                                        <p:cTn id="31" dur="500" fill="hold"/>
-                                        <p:tgtEl>
-                                          <p:spTgt spid="4">
-                                            <p:txEl>
-                                              <p:pRg st="4" end="4"/>
-                                            </p:txEl>
-                                          </p:spTgt>
-                                        </p:tgtEl>
-                                        <p:attrNameLst>
-                                          <p:attrName>ppt_x</p:attrName>
-                                        </p:attrNameLst>
-                                      </p:cBhvr>
-                                      <p:tavLst>
-                                        <p:tav tm="0">
-                                          <p:val>
-                                            <p:strVal val="#ppt_x"/>
-                                          </p:val>
-                                        </p:tav>
-                                        <p:tav tm="100000">
-                                          <p:val>
-                                            <p:strVal val="#ppt_x"/>
-                                          </p:val>
-                                        </p:tav>
-                                      </p:tavLst>
-                                    </p:anim>
-                                    <p:anim calcmode="lin" valueType="num">
-                                      <p:cBhvr additive="base">
-                                        <p:cTn id="32" dur="500" fill="hold"/>
-                                        <p:tgtEl>
-                                          <p:spTgt spid="4">
-                                            <p:txEl>
-                                              <p:pRg st="4" end="4"/>
-                                            </p:txEl>
-                                          </p:spTgt>
-                                        </p:tgtEl>
-                                        <p:attrNameLst>
-                                          <p:attrName>ppt_y</p:attrName>
-                                        </p:attrNameLst>
-                                      </p:cBhvr>
-                                      <p:tavLst>
-                                        <p:tav tm="0">
-                                          <p:val>
-                                            <p:strVal val="1+#ppt_h/2"/>
-                                          </p:val>
-                                        </p:tav>
-                                        <p:tav tm="100000">
-                                          <p:val>
-                                            <p:strVal val="#ppt_y"/>
-                                          </p:val>
-                                        </p:tav>
-                                      </p:tavLst>
-                                    </p:anim>
-                                  </p:childTnLst>
-                                </p:cTn>
-                              </p:par>
-                            </p:childTnLst>
-                          </p:cTn>
-                        </p:par>
-                      </p:childTnLst>
-                    </p:cTn>
-                  </p:par>
-                </p:childTnLst>
-              </p:cTn>
-              <p:prevCondLst>
-                <p:cond evt="onPrev" delay="0">
-                  <p:tgtEl>
-                    <p:sldTgt/>
-                  </p:tgtEl>
-                </p:cond>
-              </p:prevCondLst>
-              <p:nextCondLst>
-                <p:cond evt="onNext" delay="0">
-                  <p:tgtEl>
-                    <p:sldTgt/>
-                  </p:tgtEl>
-                </p:cond>
-              </p:nextCondLst>
-            </p:seq>
-          </p:childTnLst>
-        </p:cTn>
-      </p:par>
-    </p:tnLst>
-    <p:bldLst>
-      <p:bldP spid="2" grpId="0"/>
-    </p:bldLst>
-  </p:timing>
 </p:sld>
 </file>
 
